--- a/R/Results/Perfect_obs/fisher_marten.pptx
+++ b/R/Results/Perfect_obs/fisher_marten.pptx
@@ -209,7 +209,7 @@
           <a:p>
             <a:fld id="{F180B535-58F6-49DC-A5FD-C8534005E533}" type="datetimeFigureOut">
               <a:rPr lang="zh-CN" altLang="en-US" smtClean="0"/>
-              <a:t>2019/4/23</a:t>
+              <a:t>2019/6/3</a:t>
             </a:fld>
             <a:endParaRPr lang="zh-CN" altLang="en-US"/>
           </a:p>
@@ -273,38 +273,37 @@
           <a:p>
             <a:pPr lvl="0"/>
             <a:r>
-              <a:rPr lang="zh-CN" altLang="en-US" smtClean="0"/>
+              <a:rPr lang="zh-CN" altLang="en-US"/>
               <a:t>编辑母版文本样式</a:t>
             </a:r>
           </a:p>
           <a:p>
             <a:pPr lvl="1"/>
             <a:r>
-              <a:rPr lang="zh-CN" altLang="en-US" smtClean="0"/>
+              <a:rPr lang="zh-CN" altLang="en-US"/>
               <a:t>第二级</a:t>
             </a:r>
           </a:p>
           <a:p>
             <a:pPr lvl="2"/>
             <a:r>
-              <a:rPr lang="zh-CN" altLang="en-US" smtClean="0"/>
+              <a:rPr lang="zh-CN" altLang="en-US"/>
               <a:t>第三级</a:t>
             </a:r>
           </a:p>
           <a:p>
             <a:pPr lvl="3"/>
             <a:r>
-              <a:rPr lang="zh-CN" altLang="en-US" smtClean="0"/>
+              <a:rPr lang="zh-CN" altLang="en-US"/>
               <a:t>第四级</a:t>
             </a:r>
           </a:p>
           <a:p>
             <a:pPr lvl="4"/>
             <a:r>
-              <a:rPr lang="zh-CN" altLang="en-US" smtClean="0"/>
+              <a:rPr lang="zh-CN" altLang="en-US"/>
               <a:t>第五级</a:t>
             </a:r>
-            <a:endParaRPr lang="zh-CN" altLang="en-US"/>
           </a:p>
         </p:txBody>
       </p:sp>
@@ -522,7 +521,7 @@
           <a:lstStyle/>
           <a:p>
             <a:r>
-              <a:rPr lang="en-US" altLang="zh-CN" smtClean="0"/>
+              <a:rPr lang="en-US" altLang="zh-CN"/>
               <a:t>Hamiltonian</a:t>
             </a:r>
             <a:endParaRPr lang="zh-CN" altLang="en-US"/>
@@ -603,7 +602,7 @@
           <a:lstStyle/>
           <a:p>
             <a:r>
-              <a:rPr lang="en-US" smtClean="0"/>
+              <a:rPr lang="en-US"/>
               <a:t>Click to edit Master title style</a:t>
             </a:r>
             <a:endParaRPr lang="en-GB"/>
@@ -722,7 +721,7 @@
           </a:lstStyle>
           <a:p>
             <a:r>
-              <a:rPr lang="en-US" smtClean="0"/>
+              <a:rPr lang="en-US"/>
               <a:t>Click to edit Master subtitle style</a:t>
             </a:r>
             <a:endParaRPr lang="en-GB"/>
@@ -746,7 +745,7 @@
           <a:p>
             <a:fld id="{6BA5D40C-A8DC-479A-A5D3-E7B4936A184B}" type="datetimeFigureOut">
               <a:rPr lang="en-GB" smtClean="0"/>
-              <a:t>23/04/2019</a:t>
+              <a:t>03/06/2019</a:t>
             </a:fld>
             <a:endParaRPr lang="en-GB"/>
           </a:p>
@@ -840,7 +839,7 @@
           <a:lstStyle/>
           <a:p>
             <a:r>
-              <a:rPr lang="en-US" smtClean="0"/>
+              <a:rPr lang="en-US"/>
               <a:t>Click to edit Master title style</a:t>
             </a:r>
             <a:endParaRPr lang="en-GB"/>
@@ -864,35 +863,35 @@
           <a:p>
             <a:pPr lvl="0"/>
             <a:r>
-              <a:rPr lang="en-US" smtClean="0"/>
+              <a:rPr lang="en-US"/>
               <a:t>Click to edit Master text styles</a:t>
             </a:r>
           </a:p>
           <a:p>
             <a:pPr lvl="1"/>
             <a:r>
-              <a:rPr lang="en-US" smtClean="0"/>
+              <a:rPr lang="en-US"/>
               <a:t>Second level</a:t>
             </a:r>
           </a:p>
           <a:p>
             <a:pPr lvl="2"/>
             <a:r>
-              <a:rPr lang="en-US" smtClean="0"/>
+              <a:rPr lang="en-US"/>
               <a:t>Third level</a:t>
             </a:r>
           </a:p>
           <a:p>
             <a:pPr lvl="3"/>
             <a:r>
-              <a:rPr lang="en-US" smtClean="0"/>
+              <a:rPr lang="en-US"/>
               <a:t>Fourth level</a:t>
             </a:r>
           </a:p>
           <a:p>
             <a:pPr lvl="4"/>
             <a:r>
-              <a:rPr lang="en-US" smtClean="0"/>
+              <a:rPr lang="en-US"/>
               <a:t>Fifth level</a:t>
             </a:r>
             <a:endParaRPr lang="en-GB"/>
@@ -916,7 +915,7 @@
           <a:p>
             <a:fld id="{6BA5D40C-A8DC-479A-A5D3-E7B4936A184B}" type="datetimeFigureOut">
               <a:rPr lang="en-GB" smtClean="0"/>
-              <a:t>23/04/2019</a:t>
+              <a:t>03/06/2019</a:t>
             </a:fld>
             <a:endParaRPr lang="en-GB"/>
           </a:p>
@@ -1015,7 +1014,7 @@
           <a:lstStyle/>
           <a:p>
             <a:r>
-              <a:rPr lang="en-US" smtClean="0"/>
+              <a:rPr lang="en-US"/>
               <a:t>Click to edit Master title style</a:t>
             </a:r>
             <a:endParaRPr lang="en-GB"/>
@@ -1044,35 +1043,35 @@
           <a:p>
             <a:pPr lvl="0"/>
             <a:r>
-              <a:rPr lang="en-US" smtClean="0"/>
+              <a:rPr lang="en-US"/>
               <a:t>Click to edit Master text styles</a:t>
             </a:r>
           </a:p>
           <a:p>
             <a:pPr lvl="1"/>
             <a:r>
-              <a:rPr lang="en-US" smtClean="0"/>
+              <a:rPr lang="en-US"/>
               <a:t>Second level</a:t>
             </a:r>
           </a:p>
           <a:p>
             <a:pPr lvl="2"/>
             <a:r>
-              <a:rPr lang="en-US" smtClean="0"/>
+              <a:rPr lang="en-US"/>
               <a:t>Third level</a:t>
             </a:r>
           </a:p>
           <a:p>
             <a:pPr lvl="3"/>
             <a:r>
-              <a:rPr lang="en-US" smtClean="0"/>
+              <a:rPr lang="en-US"/>
               <a:t>Fourth level</a:t>
             </a:r>
           </a:p>
           <a:p>
             <a:pPr lvl="4"/>
             <a:r>
-              <a:rPr lang="en-US" smtClean="0"/>
+              <a:rPr lang="en-US"/>
               <a:t>Fifth level</a:t>
             </a:r>
             <a:endParaRPr lang="en-GB"/>
@@ -1096,7 +1095,7 @@
           <a:p>
             <a:fld id="{6BA5D40C-A8DC-479A-A5D3-E7B4936A184B}" type="datetimeFigureOut">
               <a:rPr lang="en-GB" smtClean="0"/>
-              <a:t>23/04/2019</a:t>
+              <a:t>03/06/2019</a:t>
             </a:fld>
             <a:endParaRPr lang="en-GB"/>
           </a:p>
@@ -1190,7 +1189,7 @@
           <a:lstStyle/>
           <a:p>
             <a:r>
-              <a:rPr lang="en-US" smtClean="0"/>
+              <a:rPr lang="en-US"/>
               <a:t>Click to edit Master title style</a:t>
             </a:r>
             <a:endParaRPr lang="en-GB"/>
@@ -1214,35 +1213,35 @@
           <a:p>
             <a:pPr lvl="0"/>
             <a:r>
-              <a:rPr lang="en-US" smtClean="0"/>
+              <a:rPr lang="en-US"/>
               <a:t>Click to edit Master text styles</a:t>
             </a:r>
           </a:p>
           <a:p>
             <a:pPr lvl="1"/>
             <a:r>
-              <a:rPr lang="en-US" smtClean="0"/>
+              <a:rPr lang="en-US"/>
               <a:t>Second level</a:t>
             </a:r>
           </a:p>
           <a:p>
             <a:pPr lvl="2"/>
             <a:r>
-              <a:rPr lang="en-US" smtClean="0"/>
+              <a:rPr lang="en-US"/>
               <a:t>Third level</a:t>
             </a:r>
           </a:p>
           <a:p>
             <a:pPr lvl="3"/>
             <a:r>
-              <a:rPr lang="en-US" smtClean="0"/>
+              <a:rPr lang="en-US"/>
               <a:t>Fourth level</a:t>
             </a:r>
           </a:p>
           <a:p>
             <a:pPr lvl="4"/>
             <a:r>
-              <a:rPr lang="en-US" smtClean="0"/>
+              <a:rPr lang="en-US"/>
               <a:t>Fifth level</a:t>
             </a:r>
             <a:endParaRPr lang="en-GB"/>
@@ -1266,7 +1265,7 @@
           <a:p>
             <a:fld id="{6BA5D40C-A8DC-479A-A5D3-E7B4936A184B}" type="datetimeFigureOut">
               <a:rPr lang="en-GB" smtClean="0"/>
-              <a:t>23/04/2019</a:t>
+              <a:t>03/06/2019</a:t>
             </a:fld>
             <a:endParaRPr lang="en-GB"/>
           </a:p>
@@ -1369,7 +1368,7 @@
           </a:lstStyle>
           <a:p>
             <a:r>
-              <a:rPr lang="en-US" smtClean="0"/>
+              <a:rPr lang="en-US"/>
               <a:t>Click to edit Master title style</a:t>
             </a:r>
             <a:endParaRPr lang="en-GB"/>
@@ -1489,7 +1488,7 @@
           <a:p>
             <a:pPr lvl="0"/>
             <a:r>
-              <a:rPr lang="en-US" smtClean="0"/>
+              <a:rPr lang="en-US"/>
               <a:t>Click to edit Master text styles</a:t>
             </a:r>
           </a:p>
@@ -1512,7 +1511,7 @@
           <a:p>
             <a:fld id="{6BA5D40C-A8DC-479A-A5D3-E7B4936A184B}" type="datetimeFigureOut">
               <a:rPr lang="en-GB" smtClean="0"/>
-              <a:t>23/04/2019</a:t>
+              <a:t>03/06/2019</a:t>
             </a:fld>
             <a:endParaRPr lang="en-GB"/>
           </a:p>
@@ -1606,7 +1605,7 @@
           <a:lstStyle/>
           <a:p>
             <a:r>
-              <a:rPr lang="en-US" smtClean="0"/>
+              <a:rPr lang="en-US"/>
               <a:t>Click to edit Master title style</a:t>
             </a:r>
             <a:endParaRPr lang="en-GB"/>
@@ -1663,35 +1662,35 @@
           <a:p>
             <a:pPr lvl="0"/>
             <a:r>
-              <a:rPr lang="en-US" smtClean="0"/>
+              <a:rPr lang="en-US"/>
               <a:t>Click to edit Master text styles</a:t>
             </a:r>
           </a:p>
           <a:p>
             <a:pPr lvl="1"/>
             <a:r>
-              <a:rPr lang="en-US" smtClean="0"/>
+              <a:rPr lang="en-US"/>
               <a:t>Second level</a:t>
             </a:r>
           </a:p>
           <a:p>
             <a:pPr lvl="2"/>
             <a:r>
-              <a:rPr lang="en-US" smtClean="0"/>
+              <a:rPr lang="en-US"/>
               <a:t>Third level</a:t>
             </a:r>
           </a:p>
           <a:p>
             <a:pPr lvl="3"/>
             <a:r>
-              <a:rPr lang="en-US" smtClean="0"/>
+              <a:rPr lang="en-US"/>
               <a:t>Fourth level</a:t>
             </a:r>
           </a:p>
           <a:p>
             <a:pPr lvl="4"/>
             <a:r>
-              <a:rPr lang="en-US" smtClean="0"/>
+              <a:rPr lang="en-US"/>
               <a:t>Fifth level</a:t>
             </a:r>
             <a:endParaRPr lang="en-GB"/>
@@ -1748,35 +1747,35 @@
           <a:p>
             <a:pPr lvl="0"/>
             <a:r>
-              <a:rPr lang="en-US" smtClean="0"/>
+              <a:rPr lang="en-US"/>
               <a:t>Click to edit Master text styles</a:t>
             </a:r>
           </a:p>
           <a:p>
             <a:pPr lvl="1"/>
             <a:r>
-              <a:rPr lang="en-US" smtClean="0"/>
+              <a:rPr lang="en-US"/>
               <a:t>Second level</a:t>
             </a:r>
           </a:p>
           <a:p>
             <a:pPr lvl="2"/>
             <a:r>
-              <a:rPr lang="en-US" smtClean="0"/>
+              <a:rPr lang="en-US"/>
               <a:t>Third level</a:t>
             </a:r>
           </a:p>
           <a:p>
             <a:pPr lvl="3"/>
             <a:r>
-              <a:rPr lang="en-US" smtClean="0"/>
+              <a:rPr lang="en-US"/>
               <a:t>Fourth level</a:t>
             </a:r>
           </a:p>
           <a:p>
             <a:pPr lvl="4"/>
             <a:r>
-              <a:rPr lang="en-US" smtClean="0"/>
+              <a:rPr lang="en-US"/>
               <a:t>Fifth level</a:t>
             </a:r>
             <a:endParaRPr lang="en-GB"/>
@@ -1800,7 +1799,7 @@
           <a:p>
             <a:fld id="{6BA5D40C-A8DC-479A-A5D3-E7B4936A184B}" type="datetimeFigureOut">
               <a:rPr lang="en-GB" smtClean="0"/>
-              <a:t>23/04/2019</a:t>
+              <a:t>03/06/2019</a:t>
             </a:fld>
             <a:endParaRPr lang="en-GB"/>
           </a:p>
@@ -1903,7 +1902,7 @@
           </a:lstStyle>
           <a:p>
             <a:r>
-              <a:rPr lang="en-US" smtClean="0"/>
+              <a:rPr lang="en-US"/>
               <a:t>Click to edit Master title style</a:t>
             </a:r>
             <a:endParaRPr lang="en-GB"/>
@@ -1969,7 +1968,7 @@
           <a:p>
             <a:pPr lvl="0"/>
             <a:r>
-              <a:rPr lang="en-US" smtClean="0"/>
+              <a:rPr lang="en-US"/>
               <a:t>Click to edit Master text styles</a:t>
             </a:r>
           </a:p>
@@ -2025,35 +2024,35 @@
           <a:p>
             <a:pPr lvl="0"/>
             <a:r>
-              <a:rPr lang="en-US" smtClean="0"/>
+              <a:rPr lang="en-US"/>
               <a:t>Click to edit Master text styles</a:t>
             </a:r>
           </a:p>
           <a:p>
             <a:pPr lvl="1"/>
             <a:r>
-              <a:rPr lang="en-US" smtClean="0"/>
+              <a:rPr lang="en-US"/>
               <a:t>Second level</a:t>
             </a:r>
           </a:p>
           <a:p>
             <a:pPr lvl="2"/>
             <a:r>
-              <a:rPr lang="en-US" smtClean="0"/>
+              <a:rPr lang="en-US"/>
               <a:t>Third level</a:t>
             </a:r>
           </a:p>
           <a:p>
             <a:pPr lvl="3"/>
             <a:r>
-              <a:rPr lang="en-US" smtClean="0"/>
+              <a:rPr lang="en-US"/>
               <a:t>Fourth level</a:t>
             </a:r>
           </a:p>
           <a:p>
             <a:pPr lvl="4"/>
             <a:r>
-              <a:rPr lang="en-US" smtClean="0"/>
+              <a:rPr lang="en-US"/>
               <a:t>Fifth level</a:t>
             </a:r>
             <a:endParaRPr lang="en-GB"/>
@@ -2119,7 +2118,7 @@
           <a:p>
             <a:pPr lvl="0"/>
             <a:r>
-              <a:rPr lang="en-US" smtClean="0"/>
+              <a:rPr lang="en-US"/>
               <a:t>Click to edit Master text styles</a:t>
             </a:r>
           </a:p>
@@ -2175,35 +2174,35 @@
           <a:p>
             <a:pPr lvl="0"/>
             <a:r>
-              <a:rPr lang="en-US" smtClean="0"/>
+              <a:rPr lang="en-US"/>
               <a:t>Click to edit Master text styles</a:t>
             </a:r>
           </a:p>
           <a:p>
             <a:pPr lvl="1"/>
             <a:r>
-              <a:rPr lang="en-US" smtClean="0"/>
+              <a:rPr lang="en-US"/>
               <a:t>Second level</a:t>
             </a:r>
           </a:p>
           <a:p>
             <a:pPr lvl="2"/>
             <a:r>
-              <a:rPr lang="en-US" smtClean="0"/>
+              <a:rPr lang="en-US"/>
               <a:t>Third level</a:t>
             </a:r>
           </a:p>
           <a:p>
             <a:pPr lvl="3"/>
             <a:r>
-              <a:rPr lang="en-US" smtClean="0"/>
+              <a:rPr lang="en-US"/>
               <a:t>Fourth level</a:t>
             </a:r>
           </a:p>
           <a:p>
             <a:pPr lvl="4"/>
             <a:r>
-              <a:rPr lang="en-US" smtClean="0"/>
+              <a:rPr lang="en-US"/>
               <a:t>Fifth level</a:t>
             </a:r>
             <a:endParaRPr lang="en-GB"/>
@@ -2227,7 +2226,7 @@
           <a:p>
             <a:fld id="{6BA5D40C-A8DC-479A-A5D3-E7B4936A184B}" type="datetimeFigureOut">
               <a:rPr lang="en-GB" smtClean="0"/>
-              <a:t>23/04/2019</a:t>
+              <a:t>03/06/2019</a:t>
             </a:fld>
             <a:endParaRPr lang="en-GB"/>
           </a:p>
@@ -2321,7 +2320,7 @@
           <a:lstStyle/>
           <a:p>
             <a:r>
-              <a:rPr lang="en-US" smtClean="0"/>
+              <a:rPr lang="en-US"/>
               <a:t>Click to edit Master title style</a:t>
             </a:r>
             <a:endParaRPr lang="en-GB"/>
@@ -2345,7 +2344,7 @@
           <a:p>
             <a:fld id="{6BA5D40C-A8DC-479A-A5D3-E7B4936A184B}" type="datetimeFigureOut">
               <a:rPr lang="en-GB" smtClean="0"/>
-              <a:t>23/04/2019</a:t>
+              <a:t>03/06/2019</a:t>
             </a:fld>
             <a:endParaRPr lang="en-GB"/>
           </a:p>
@@ -2440,7 +2439,7 @@
           <a:p>
             <a:fld id="{6BA5D40C-A8DC-479A-A5D3-E7B4936A184B}" type="datetimeFigureOut">
               <a:rPr lang="en-GB" smtClean="0"/>
-              <a:t>23/04/2019</a:t>
+              <a:t>03/06/2019</a:t>
             </a:fld>
             <a:endParaRPr lang="en-GB"/>
           </a:p>
@@ -2543,7 +2542,7 @@
           </a:lstStyle>
           <a:p>
             <a:r>
-              <a:rPr lang="en-US" smtClean="0"/>
+              <a:rPr lang="en-US"/>
               <a:t>Click to edit Master title style</a:t>
             </a:r>
             <a:endParaRPr lang="en-GB"/>
@@ -2600,35 +2599,35 @@
           <a:p>
             <a:pPr lvl="0"/>
             <a:r>
-              <a:rPr lang="en-US" smtClean="0"/>
+              <a:rPr lang="en-US"/>
               <a:t>Click to edit Master text styles</a:t>
             </a:r>
           </a:p>
           <a:p>
             <a:pPr lvl="1"/>
             <a:r>
-              <a:rPr lang="en-US" smtClean="0"/>
+              <a:rPr lang="en-US"/>
               <a:t>Second level</a:t>
             </a:r>
           </a:p>
           <a:p>
             <a:pPr lvl="2"/>
             <a:r>
-              <a:rPr lang="en-US" smtClean="0"/>
+              <a:rPr lang="en-US"/>
               <a:t>Third level</a:t>
             </a:r>
           </a:p>
           <a:p>
             <a:pPr lvl="3"/>
             <a:r>
-              <a:rPr lang="en-US" smtClean="0"/>
+              <a:rPr lang="en-US"/>
               <a:t>Fourth level</a:t>
             </a:r>
           </a:p>
           <a:p>
             <a:pPr lvl="4"/>
             <a:r>
-              <a:rPr lang="en-US" smtClean="0"/>
+              <a:rPr lang="en-US"/>
               <a:t>Fifth level</a:t>
             </a:r>
             <a:endParaRPr lang="en-GB"/>
@@ -2694,7 +2693,7 @@
           <a:p>
             <a:pPr lvl="0"/>
             <a:r>
-              <a:rPr lang="en-US" smtClean="0"/>
+              <a:rPr lang="en-US"/>
               <a:t>Click to edit Master text styles</a:t>
             </a:r>
           </a:p>
@@ -2717,7 +2716,7 @@
           <a:p>
             <a:fld id="{6BA5D40C-A8DC-479A-A5D3-E7B4936A184B}" type="datetimeFigureOut">
               <a:rPr lang="en-GB" smtClean="0"/>
-              <a:t>23/04/2019</a:t>
+              <a:t>03/06/2019</a:t>
             </a:fld>
             <a:endParaRPr lang="en-GB"/>
           </a:p>
@@ -2820,7 +2819,7 @@
           </a:lstStyle>
           <a:p>
             <a:r>
-              <a:rPr lang="en-US" smtClean="0"/>
+              <a:rPr lang="en-US"/>
               <a:t>Click to edit Master title style</a:t>
             </a:r>
             <a:endParaRPr lang="en-GB"/>
@@ -2947,7 +2946,7 @@
           <a:p>
             <a:pPr lvl="0"/>
             <a:r>
-              <a:rPr lang="en-US" smtClean="0"/>
+              <a:rPr lang="en-US"/>
               <a:t>Click to edit Master text styles</a:t>
             </a:r>
           </a:p>
@@ -2970,7 +2969,7 @@
           <a:p>
             <a:fld id="{6BA5D40C-A8DC-479A-A5D3-E7B4936A184B}" type="datetimeFigureOut">
               <a:rPr lang="en-GB" smtClean="0"/>
-              <a:t>23/04/2019</a:t>
+              <a:t>03/06/2019</a:t>
             </a:fld>
             <a:endParaRPr lang="en-GB"/>
           </a:p>
@@ -3079,7 +3078,7 @@
           <a:lstStyle/>
           <a:p>
             <a:r>
-              <a:rPr lang="en-US" smtClean="0"/>
+              <a:rPr lang="en-US"/>
               <a:t>Click to edit Master title style</a:t>
             </a:r>
             <a:endParaRPr lang="en-GB"/>
@@ -3113,35 +3112,35 @@
           <a:p>
             <a:pPr lvl="0"/>
             <a:r>
-              <a:rPr lang="en-US" smtClean="0"/>
+              <a:rPr lang="en-US"/>
               <a:t>Click to edit Master text styles</a:t>
             </a:r>
           </a:p>
           <a:p>
             <a:pPr lvl="1"/>
             <a:r>
-              <a:rPr lang="en-US" smtClean="0"/>
+              <a:rPr lang="en-US"/>
               <a:t>Second level</a:t>
             </a:r>
           </a:p>
           <a:p>
             <a:pPr lvl="2"/>
             <a:r>
-              <a:rPr lang="en-US" smtClean="0"/>
+              <a:rPr lang="en-US"/>
               <a:t>Third level</a:t>
             </a:r>
           </a:p>
           <a:p>
             <a:pPr lvl="3"/>
             <a:r>
-              <a:rPr lang="en-US" smtClean="0"/>
+              <a:rPr lang="en-US"/>
               <a:t>Fourth level</a:t>
             </a:r>
           </a:p>
           <a:p>
             <a:pPr lvl="4"/>
             <a:r>
-              <a:rPr lang="en-US" smtClean="0"/>
+              <a:rPr lang="en-US"/>
               <a:t>Fifth level</a:t>
             </a:r>
             <a:endParaRPr lang="en-GB"/>
@@ -3183,7 +3182,7 @@
           <a:p>
             <a:fld id="{6BA5D40C-A8DC-479A-A5D3-E7B4936A184B}" type="datetimeFigureOut">
               <a:rPr lang="en-GB" smtClean="0"/>
-              <a:t>23/04/2019</a:t>
+              <a:t>03/06/2019</a:t>
             </a:fld>
             <a:endParaRPr lang="en-GB"/>
           </a:p>
@@ -7196,102 +7195,34 @@
       </p:grpSpPr>
       <p:grpSp>
         <p:nvGrpSpPr>
-          <p:cNvPr id="2" name="grp1"/>
+          <p:cNvPr id="94" name="组合 93">
+            <a:extLst>
+              <a:ext uri="{FF2B5EF4-FFF2-40B4-BE49-F238E27FC236}">
+                <a16:creationId xmlns:a16="http://schemas.microsoft.com/office/drawing/2014/main" id="{0C76C9CD-D6A4-439F-9E3C-DB02B0D589F4}"/>
+              </a:ext>
+            </a:extLst>
+          </p:cNvPr>
           <p:cNvGrpSpPr/>
           <p:nvPr/>
         </p:nvGrpSpPr>
         <p:grpSpPr>
           <a:xfrm>
-            <a:off x="1502323" y="1342675"/>
-            <a:ext cx="7693513" cy="4877500"/>
-            <a:chOff x="1062037" y="941387"/>
-            <a:chExt cx="5438774" cy="3448050"/>
+            <a:off x="1260498" y="1441113"/>
+            <a:ext cx="6401006" cy="4033961"/>
+            <a:chOff x="1260498" y="1441113"/>
+            <a:chExt cx="6401006" cy="4033961"/>
           </a:xfrm>
         </p:grpSpPr>
         <p:sp>
           <p:nvSpPr>
-            <p:cNvPr id="3" name="rc3"/>
-            <p:cNvSpPr/>
-            <p:nvPr/>
-          </p:nvSpPr>
-          <p:spPr>
-            <a:xfrm>
-              <a:off x="1062037" y="941387"/>
-              <a:ext cx="5438774" cy="3448050"/>
-            </a:xfrm>
-            <a:prstGeom prst="rect">
-              <a:avLst/>
-            </a:prstGeom>
-            <a:solidFill>
-              <a:srgbClr val="FFFFFF">
-                <a:alpha val="100000"/>
-              </a:srgbClr>
-            </a:solidFill>
-            <a:ln w="9525" cap="rnd">
-              <a:solidFill>
-                <a:srgbClr val="FFFFFF">
-                  <a:alpha val="100000"/>
-                </a:srgbClr>
-              </a:solidFill>
-              <a:prstDash val="solid"/>
-              <a:round/>
-            </a:ln>
-          </p:spPr>
-          <p:txBody>
-            <a:bodyPr/>
-            <a:lstStyle/>
-            <a:p>
-              <a:endParaRPr sz="2829"/>
-            </a:p>
-          </p:txBody>
-        </p:sp>
-        <p:sp>
-          <p:nvSpPr>
-            <p:cNvPr id="4" name="rc4"/>
-            <p:cNvSpPr/>
-            <p:nvPr/>
-          </p:nvSpPr>
-          <p:spPr>
-            <a:xfrm>
-              <a:off x="1062037" y="941387"/>
-              <a:ext cx="5438774" cy="3448050"/>
-            </a:xfrm>
-            <a:prstGeom prst="rect">
-              <a:avLst/>
-            </a:prstGeom>
-            <a:solidFill>
-              <a:srgbClr val="FFFFFF">
-                <a:alpha val="100000"/>
-              </a:srgbClr>
-            </a:solidFill>
-            <a:ln w="13550" cap="rnd">
-              <a:solidFill>
-                <a:srgbClr val="FFFFFF">
-                  <a:alpha val="100000"/>
-                </a:srgbClr>
-              </a:solidFill>
-              <a:prstDash val="solid"/>
-              <a:round/>
-            </a:ln>
-          </p:spPr>
-          <p:txBody>
-            <a:bodyPr/>
-            <a:lstStyle/>
-            <a:p>
-              <a:endParaRPr sz="2829"/>
-            </a:p>
-          </p:txBody>
-        </p:sp>
-        <p:sp>
-          <p:nvSpPr>
             <p:cNvPr id="5" name="rc5"/>
             <p:cNvSpPr/>
             <p:nvPr/>
           </p:nvSpPr>
           <p:spPr>
             <a:xfrm>
-              <a:off x="1498888" y="1010976"/>
-              <a:ext cx="3917258" cy="2234492"/>
+              <a:off x="2120278" y="1441113"/>
+              <a:ext cx="5541226" cy="3160840"/>
             </a:xfrm>
             <a:prstGeom prst="rect">
               <a:avLst/>
@@ -7318,8 +7249,8 @@
           </p:nvSpPr>
           <p:spPr>
             <a:xfrm>
-              <a:off x="1498888" y="3115768"/>
-              <a:ext cx="3917258" cy="0"/>
+              <a:off x="2120278" y="4418484"/>
+              <a:ext cx="5541226" cy="0"/>
             </a:xfrm>
             <a:custGeom>
               <a:avLst/>
@@ -7367,8 +7298,8 @@
           </p:nvSpPr>
           <p:spPr>
             <a:xfrm>
-              <a:off x="1498888" y="2646650"/>
-              <a:ext cx="3917258" cy="0"/>
+              <a:off x="2120278" y="3754885"/>
+              <a:ext cx="5541226" cy="0"/>
             </a:xfrm>
             <a:custGeom>
               <a:avLst/>
@@ -7416,8 +7347,8 @@
           </p:nvSpPr>
           <p:spPr>
             <a:xfrm>
-              <a:off x="1498888" y="2177532"/>
-              <a:ext cx="3917258" cy="0"/>
+              <a:off x="2120278" y="3091286"/>
+              <a:ext cx="5541226" cy="0"/>
             </a:xfrm>
             <a:custGeom>
               <a:avLst/>
@@ -7465,8 +7396,8 @@
           </p:nvSpPr>
           <p:spPr>
             <a:xfrm>
-              <a:off x="1498888" y="1708414"/>
-              <a:ext cx="3917258" cy="0"/>
+              <a:off x="2120278" y="2427687"/>
+              <a:ext cx="5541226" cy="0"/>
             </a:xfrm>
             <a:custGeom>
               <a:avLst/>
@@ -7514,8 +7445,8 @@
           </p:nvSpPr>
           <p:spPr>
             <a:xfrm>
-              <a:off x="1498888" y="1239296"/>
-              <a:ext cx="3917258" cy="0"/>
+              <a:off x="2120278" y="1764087"/>
+              <a:ext cx="5541226" cy="0"/>
             </a:xfrm>
             <a:custGeom>
               <a:avLst/>
@@ -7563,8 +7494,8 @@
           </p:nvSpPr>
           <p:spPr>
             <a:xfrm>
-              <a:off x="1498888" y="2881209"/>
-              <a:ext cx="3917258" cy="0"/>
+              <a:off x="2120278" y="4086684"/>
+              <a:ext cx="5541226" cy="0"/>
             </a:xfrm>
             <a:custGeom>
               <a:avLst/>
@@ -7612,8 +7543,8 @@
           </p:nvSpPr>
           <p:spPr>
             <a:xfrm>
-              <a:off x="1498888" y="2412091"/>
-              <a:ext cx="3917258" cy="0"/>
+              <a:off x="2120278" y="3423085"/>
+              <a:ext cx="5541226" cy="0"/>
             </a:xfrm>
             <a:custGeom>
               <a:avLst/>
@@ -7661,8 +7592,8 @@
           </p:nvSpPr>
           <p:spPr>
             <a:xfrm>
-              <a:off x="1498888" y="1942973"/>
-              <a:ext cx="3917258" cy="0"/>
+              <a:off x="2120278" y="2759486"/>
+              <a:ext cx="5541226" cy="0"/>
             </a:xfrm>
             <a:custGeom>
               <a:avLst/>
@@ -7710,8 +7641,8 @@
           </p:nvSpPr>
           <p:spPr>
             <a:xfrm>
-              <a:off x="1498888" y="1473855"/>
-              <a:ext cx="3917258" cy="0"/>
+              <a:off x="2120278" y="2095887"/>
+              <a:ext cx="5541226" cy="0"/>
             </a:xfrm>
             <a:custGeom>
               <a:avLst/>
@@ -7759,8 +7690,8 @@
           </p:nvSpPr>
           <p:spPr>
             <a:xfrm>
-              <a:off x="1754362" y="1010976"/>
-              <a:ext cx="0" cy="2234492"/>
+              <a:off x="2481663" y="1441113"/>
+              <a:ext cx="0" cy="3160840"/>
             </a:xfrm>
             <a:custGeom>
               <a:avLst/>
@@ -7808,8 +7739,8 @@
           </p:nvSpPr>
           <p:spPr>
             <a:xfrm>
-              <a:off x="2180151" y="1010976"/>
-              <a:ext cx="0" cy="2234492"/>
+              <a:off x="3083971" y="1441113"/>
+              <a:ext cx="0" cy="3160840"/>
             </a:xfrm>
             <a:custGeom>
               <a:avLst/>
@@ -7857,8 +7788,8 @@
           </p:nvSpPr>
           <p:spPr>
             <a:xfrm>
-              <a:off x="2605940" y="1010976"/>
-              <a:ext cx="0" cy="2234492"/>
+              <a:off x="3686278" y="1441113"/>
+              <a:ext cx="0" cy="3160840"/>
             </a:xfrm>
             <a:custGeom>
               <a:avLst/>
@@ -7906,8 +7837,8 @@
           </p:nvSpPr>
           <p:spPr>
             <a:xfrm>
-              <a:off x="3031729" y="1010976"/>
-              <a:ext cx="0" cy="2234492"/>
+              <a:off x="4288585" y="1441113"/>
+              <a:ext cx="0" cy="3160840"/>
             </a:xfrm>
             <a:custGeom>
               <a:avLst/>
@@ -7955,8 +7886,8 @@
           </p:nvSpPr>
           <p:spPr>
             <a:xfrm>
-              <a:off x="3457518" y="1010976"/>
-              <a:ext cx="0" cy="2234492"/>
+              <a:off x="4890893" y="1441113"/>
+              <a:ext cx="0" cy="3160840"/>
             </a:xfrm>
             <a:custGeom>
               <a:avLst/>
@@ -8004,8 +7935,8 @@
           </p:nvSpPr>
           <p:spPr>
             <a:xfrm>
-              <a:off x="3883307" y="1010976"/>
-              <a:ext cx="0" cy="2234492"/>
+              <a:off x="5493200" y="1441113"/>
+              <a:ext cx="0" cy="3160840"/>
             </a:xfrm>
             <a:custGeom>
               <a:avLst/>
@@ -8053,8 +7984,8 @@
           </p:nvSpPr>
           <p:spPr>
             <a:xfrm>
-              <a:off x="4309096" y="1010976"/>
-              <a:ext cx="0" cy="2234492"/>
+              <a:off x="6095507" y="1441113"/>
+              <a:ext cx="0" cy="3160840"/>
             </a:xfrm>
             <a:custGeom>
               <a:avLst/>
@@ -8102,8 +8033,8 @@
           </p:nvSpPr>
           <p:spPr>
             <a:xfrm>
-              <a:off x="4734884" y="1010976"/>
-              <a:ext cx="0" cy="2234492"/>
+              <a:off x="6697813" y="1441113"/>
+              <a:ext cx="0" cy="3160840"/>
             </a:xfrm>
             <a:custGeom>
               <a:avLst/>
@@ -8151,8 +8082,8 @@
           </p:nvSpPr>
           <p:spPr>
             <a:xfrm>
-              <a:off x="5160673" y="1010976"/>
-              <a:ext cx="0" cy="2234492"/>
+              <a:off x="7300120" y="1441113"/>
+              <a:ext cx="0" cy="3160840"/>
             </a:xfrm>
             <a:custGeom>
               <a:avLst/>
@@ -8194,14 +8125,14 @@
         </p:sp>
         <p:sp>
           <p:nvSpPr>
-            <p:cNvPr id="24" name="pl24"/>
-            <p:cNvSpPr/>
-            <p:nvPr/>
-          </p:nvSpPr>
-          <p:spPr>
-            <a:xfrm>
-              <a:off x="2158861" y="1112544"/>
-              <a:ext cx="42578" cy="0"/>
+            <p:cNvPr id="27" name="pl27"/>
+            <p:cNvSpPr/>
+            <p:nvPr/>
+          </p:nvSpPr>
+          <p:spPr>
+            <a:xfrm>
+              <a:off x="4258469" y="2030733"/>
+              <a:ext cx="60229" cy="0"/>
             </a:xfrm>
             <a:custGeom>
               <a:avLst/>
@@ -8240,14 +8171,14 @@
         </p:sp>
         <p:sp>
           <p:nvSpPr>
-            <p:cNvPr id="25" name="pl25"/>
-            <p:cNvSpPr/>
-            <p:nvPr/>
-          </p:nvSpPr>
-          <p:spPr>
-            <a:xfrm>
-              <a:off x="2180151" y="1112544"/>
-              <a:ext cx="0" cy="1503232"/>
+            <p:cNvPr id="28" name="pl28"/>
+            <p:cNvSpPr/>
+            <p:nvPr/>
+          </p:nvSpPr>
+          <p:spPr>
+            <a:xfrm>
+              <a:off x="4288585" y="2030733"/>
+              <a:ext cx="0" cy="1606046"/>
             </a:xfrm>
             <a:custGeom>
               <a:avLst/>
@@ -8256,12 +8187,12 @@
               <a:cxnLst/>
               <a:rect l="0" t="0" r="0" b="0"/>
               <a:pathLst>
-                <a:path h="1503232">
+                <a:path h="1135362">
                   <a:moveTo>
                     <a:pt x="0" y="0"/>
                   </a:moveTo>
                   <a:lnTo>
-                    <a:pt x="0" y="1503232"/>
+                    <a:pt x="0" y="1135362"/>
                   </a:lnTo>
                 </a:path>
               </a:pathLst>
@@ -8286,14 +8217,14 @@
         </p:sp>
         <p:sp>
           <p:nvSpPr>
-            <p:cNvPr id="26" name="pl26"/>
-            <p:cNvSpPr/>
-            <p:nvPr/>
-          </p:nvSpPr>
-          <p:spPr>
-            <a:xfrm>
-              <a:off x="2158861" y="2615777"/>
-              <a:ext cx="42578" cy="0"/>
+            <p:cNvPr id="29" name="pl29"/>
+            <p:cNvSpPr/>
+            <p:nvPr/>
+          </p:nvSpPr>
+          <p:spPr>
+            <a:xfrm>
+              <a:off x="4258469" y="3636780"/>
+              <a:ext cx="60229" cy="0"/>
             </a:xfrm>
             <a:custGeom>
               <a:avLst/>
@@ -8332,14 +8263,14 @@
         </p:sp>
         <p:sp>
           <p:nvSpPr>
-            <p:cNvPr id="27" name="pl27"/>
-            <p:cNvSpPr/>
-            <p:nvPr/>
-          </p:nvSpPr>
-          <p:spPr>
-            <a:xfrm>
-              <a:off x="3010439" y="1427796"/>
-              <a:ext cx="42578" cy="0"/>
+            <p:cNvPr id="30" name="pl30"/>
+            <p:cNvSpPr/>
+            <p:nvPr/>
+          </p:nvSpPr>
+          <p:spPr>
+            <a:xfrm>
+              <a:off x="3656162" y="2993265"/>
+              <a:ext cx="60229" cy="0"/>
             </a:xfrm>
             <a:custGeom>
               <a:avLst/>
@@ -8378,14 +8309,14 @@
         </p:sp>
         <p:sp>
           <p:nvSpPr>
-            <p:cNvPr id="28" name="pl28"/>
-            <p:cNvSpPr/>
-            <p:nvPr/>
-          </p:nvSpPr>
-          <p:spPr>
-            <a:xfrm>
-              <a:off x="3031729" y="1427796"/>
-              <a:ext cx="0" cy="1135362"/>
+            <p:cNvPr id="31" name="pl31"/>
+            <p:cNvSpPr/>
+            <p:nvPr/>
+          </p:nvSpPr>
+          <p:spPr>
+            <a:xfrm>
+              <a:off x="3686278" y="2993265"/>
+              <a:ext cx="0" cy="926480"/>
             </a:xfrm>
             <a:custGeom>
               <a:avLst/>
@@ -8394,12 +8325,12 @@
               <a:cxnLst/>
               <a:rect l="0" t="0" r="0" b="0"/>
               <a:pathLst>
-                <a:path h="1135362">
+                <a:path h="654956">
                   <a:moveTo>
                     <a:pt x="0" y="0"/>
                   </a:moveTo>
                   <a:lnTo>
-                    <a:pt x="0" y="1135362"/>
+                    <a:pt x="0" y="654956"/>
                   </a:lnTo>
                 </a:path>
               </a:pathLst>
@@ -8424,14 +8355,14 @@
         </p:sp>
         <p:sp>
           <p:nvSpPr>
-            <p:cNvPr id="29" name="pl29"/>
-            <p:cNvSpPr/>
-            <p:nvPr/>
-          </p:nvSpPr>
-          <p:spPr>
-            <a:xfrm>
-              <a:off x="3010439" y="2563158"/>
-              <a:ext cx="42578" cy="0"/>
+            <p:cNvPr id="32" name="pl32"/>
+            <p:cNvSpPr/>
+            <p:nvPr/>
+          </p:nvSpPr>
+          <p:spPr>
+            <a:xfrm>
+              <a:off x="3656162" y="3919744"/>
+              <a:ext cx="60229" cy="0"/>
             </a:xfrm>
             <a:custGeom>
               <a:avLst/>
@@ -8470,14 +8401,14 @@
         </p:sp>
         <p:sp>
           <p:nvSpPr>
-            <p:cNvPr id="30" name="pl30"/>
-            <p:cNvSpPr/>
-            <p:nvPr/>
-          </p:nvSpPr>
-          <p:spPr>
-            <a:xfrm>
-              <a:off x="2584650" y="2108238"/>
-              <a:ext cx="42578" cy="0"/>
+            <p:cNvPr id="33" name="pl33"/>
+            <p:cNvSpPr/>
+            <p:nvPr/>
+          </p:nvSpPr>
+          <p:spPr>
+            <a:xfrm>
+              <a:off x="4860776" y="4109070"/>
+              <a:ext cx="60229" cy="0"/>
             </a:xfrm>
             <a:custGeom>
               <a:avLst/>
@@ -8516,14 +8447,14 @@
         </p:sp>
         <p:sp>
           <p:nvSpPr>
-            <p:cNvPr id="31" name="pl31"/>
-            <p:cNvSpPr/>
-            <p:nvPr/>
-          </p:nvSpPr>
-          <p:spPr>
-            <a:xfrm>
-              <a:off x="2605940" y="2108238"/>
-              <a:ext cx="0" cy="654956"/>
+            <p:cNvPr id="34" name="pl34"/>
+            <p:cNvSpPr/>
+            <p:nvPr/>
+          </p:nvSpPr>
+          <p:spPr>
+            <a:xfrm>
+              <a:off x="4890893" y="4109070"/>
+              <a:ext cx="0" cy="124233"/>
             </a:xfrm>
             <a:custGeom>
               <a:avLst/>
@@ -8532,12 +8463,12 @@
               <a:cxnLst/>
               <a:rect l="0" t="0" r="0" b="0"/>
               <a:pathLst>
-                <a:path h="654956">
+                <a:path h="87824">
                   <a:moveTo>
                     <a:pt x="0" y="0"/>
                   </a:moveTo>
                   <a:lnTo>
-                    <a:pt x="0" y="654956"/>
+                    <a:pt x="0" y="87824"/>
                   </a:lnTo>
                 </a:path>
               </a:pathLst>
@@ -8562,14 +8493,14 @@
         </p:sp>
         <p:sp>
           <p:nvSpPr>
-            <p:cNvPr id="32" name="pl32"/>
-            <p:cNvSpPr/>
-            <p:nvPr/>
-          </p:nvSpPr>
-          <p:spPr>
-            <a:xfrm>
-              <a:off x="2584650" y="2763194"/>
-              <a:ext cx="42578" cy="0"/>
+            <p:cNvPr id="35" name="pl35"/>
+            <p:cNvSpPr/>
+            <p:nvPr/>
+          </p:nvSpPr>
+          <p:spPr>
+            <a:xfrm>
+              <a:off x="4860776" y="4233303"/>
+              <a:ext cx="60229" cy="0"/>
             </a:xfrm>
             <a:custGeom>
               <a:avLst/>
@@ -8608,14 +8539,14 @@
         </p:sp>
         <p:sp>
           <p:nvSpPr>
-            <p:cNvPr id="33" name="pl33"/>
-            <p:cNvSpPr/>
-            <p:nvPr/>
-          </p:nvSpPr>
-          <p:spPr>
-            <a:xfrm>
-              <a:off x="3436228" y="2897034"/>
-              <a:ext cx="42578" cy="0"/>
+            <p:cNvPr id="39" name="pl39"/>
+            <p:cNvSpPr/>
+            <p:nvPr/>
+          </p:nvSpPr>
+          <p:spPr>
+            <a:xfrm>
+              <a:off x="6667698" y="2634103"/>
+              <a:ext cx="60229" cy="0"/>
             </a:xfrm>
             <a:custGeom>
               <a:avLst/>
@@ -8654,14 +8585,14 @@
         </p:sp>
         <p:sp>
           <p:nvSpPr>
-            <p:cNvPr id="34" name="pl34"/>
-            <p:cNvSpPr/>
-            <p:nvPr/>
-          </p:nvSpPr>
-          <p:spPr>
-            <a:xfrm>
-              <a:off x="3457518" y="2897034"/>
-              <a:ext cx="0" cy="87824"/>
+            <p:cNvPr id="40" name="pl40"/>
+            <p:cNvSpPr/>
+            <p:nvPr/>
+          </p:nvSpPr>
+          <p:spPr>
+            <a:xfrm>
+              <a:off x="6697813" y="2634103"/>
+              <a:ext cx="0" cy="1028145"/>
             </a:xfrm>
             <a:custGeom>
               <a:avLst/>
@@ -8670,12 +8601,12 @@
               <a:cxnLst/>
               <a:rect l="0" t="0" r="0" b="0"/>
               <a:pathLst>
-                <a:path h="87824">
+                <a:path h="726826">
                   <a:moveTo>
                     <a:pt x="0" y="0"/>
                   </a:moveTo>
                   <a:lnTo>
-                    <a:pt x="0" y="87824"/>
+                    <a:pt x="0" y="726826"/>
                   </a:lnTo>
                 </a:path>
               </a:pathLst>
@@ -8700,14 +8631,14 @@
         </p:sp>
         <p:sp>
           <p:nvSpPr>
-            <p:cNvPr id="35" name="pl35"/>
-            <p:cNvSpPr/>
-            <p:nvPr/>
-          </p:nvSpPr>
-          <p:spPr>
-            <a:xfrm>
-              <a:off x="3436228" y="2984858"/>
-              <a:ext cx="42578" cy="0"/>
+            <p:cNvPr id="41" name="pl41"/>
+            <p:cNvSpPr/>
+            <p:nvPr/>
+          </p:nvSpPr>
+          <p:spPr>
+            <a:xfrm>
+              <a:off x="6667698" y="3662249"/>
+              <a:ext cx="60229" cy="0"/>
             </a:xfrm>
             <a:custGeom>
               <a:avLst/>
@@ -8746,14 +8677,14 @@
         </p:sp>
         <p:sp>
           <p:nvSpPr>
-            <p:cNvPr id="36" name="pl36"/>
-            <p:cNvSpPr/>
-            <p:nvPr/>
-          </p:nvSpPr>
-          <p:spPr>
-            <a:xfrm>
-              <a:off x="3862017" y="1998063"/>
-              <a:ext cx="42578" cy="0"/>
+            <p:cNvPr id="42" name="pl42"/>
+            <p:cNvSpPr/>
+            <p:nvPr/>
+          </p:nvSpPr>
+          <p:spPr>
+            <a:xfrm>
+              <a:off x="6065391" y="3986921"/>
+              <a:ext cx="60229" cy="0"/>
             </a:xfrm>
             <a:custGeom>
               <a:avLst/>
@@ -8792,14 +8723,14 @@
         </p:sp>
         <p:sp>
           <p:nvSpPr>
-            <p:cNvPr id="37" name="pl37"/>
-            <p:cNvSpPr/>
-            <p:nvPr/>
-          </p:nvSpPr>
-          <p:spPr>
-            <a:xfrm>
-              <a:off x="3883307" y="1998063"/>
-              <a:ext cx="0" cy="926764"/>
+            <p:cNvPr id="43" name="pl43"/>
+            <p:cNvSpPr/>
+            <p:nvPr/>
+          </p:nvSpPr>
+          <p:spPr>
+            <a:xfrm>
+              <a:off x="6095507" y="3986921"/>
+              <a:ext cx="0" cy="250091"/>
             </a:xfrm>
             <a:custGeom>
               <a:avLst/>
@@ -8808,12 +8739,12 @@
               <a:cxnLst/>
               <a:rect l="0" t="0" r="0" b="0"/>
               <a:pathLst>
-                <a:path h="926764">
+                <a:path h="176797">
                   <a:moveTo>
                     <a:pt x="0" y="0"/>
                   </a:moveTo>
                   <a:lnTo>
-                    <a:pt x="0" y="926764"/>
+                    <a:pt x="0" y="176797"/>
                   </a:lnTo>
                 </a:path>
               </a:pathLst>
@@ -8838,14 +8769,14 @@
         </p:sp>
         <p:sp>
           <p:nvSpPr>
-            <p:cNvPr id="38" name="pl38"/>
-            <p:cNvSpPr/>
-            <p:nvPr/>
-          </p:nvSpPr>
-          <p:spPr>
-            <a:xfrm>
-              <a:off x="3862017" y="2924828"/>
-              <a:ext cx="42578" cy="0"/>
+            <p:cNvPr id="44" name="pl44"/>
+            <p:cNvSpPr/>
+            <p:nvPr/>
+          </p:nvSpPr>
+          <p:spPr>
+            <a:xfrm>
+              <a:off x="6065391" y="4237012"/>
+              <a:ext cx="60229" cy="0"/>
             </a:xfrm>
             <a:custGeom>
               <a:avLst/>
@@ -8884,14 +8815,14 @@
         </p:sp>
         <p:sp>
           <p:nvSpPr>
-            <p:cNvPr id="39" name="pl39"/>
-            <p:cNvSpPr/>
-            <p:nvPr/>
-          </p:nvSpPr>
-          <p:spPr>
-            <a:xfrm>
-              <a:off x="4713595" y="1854336"/>
-              <a:ext cx="42578" cy="0"/>
+            <p:cNvPr id="45" name="pl45"/>
+            <p:cNvSpPr/>
+            <p:nvPr/>
+          </p:nvSpPr>
+          <p:spPr>
+            <a:xfrm>
+              <a:off x="7270006" y="3975662"/>
+              <a:ext cx="60229" cy="0"/>
             </a:xfrm>
             <a:custGeom>
               <a:avLst/>
@@ -8930,14 +8861,14 @@
         </p:sp>
         <p:sp>
           <p:nvSpPr>
-            <p:cNvPr id="40" name="pl40"/>
-            <p:cNvSpPr/>
-            <p:nvPr/>
-          </p:nvSpPr>
-          <p:spPr>
-            <a:xfrm>
-              <a:off x="4734884" y="1854336"/>
-              <a:ext cx="0" cy="726826"/>
+            <p:cNvPr id="46" name="pl46"/>
+            <p:cNvSpPr/>
+            <p:nvPr/>
+          </p:nvSpPr>
+          <p:spPr>
+            <a:xfrm>
+              <a:off x="7300120" y="3975662"/>
+              <a:ext cx="0" cy="184702"/>
             </a:xfrm>
             <a:custGeom>
               <a:avLst/>
@@ -8946,12 +8877,12 @@
               <a:cxnLst/>
               <a:rect l="0" t="0" r="0" b="0"/>
               <a:pathLst>
-                <a:path h="726826">
+                <a:path h="130571">
                   <a:moveTo>
                     <a:pt x="0" y="0"/>
                   </a:moveTo>
                   <a:lnTo>
-                    <a:pt x="0" y="726826"/>
+                    <a:pt x="0" y="130571"/>
                   </a:lnTo>
                 </a:path>
               </a:pathLst>
@@ -8976,14 +8907,14 @@
         </p:sp>
         <p:sp>
           <p:nvSpPr>
-            <p:cNvPr id="41" name="pl41"/>
-            <p:cNvSpPr/>
-            <p:nvPr/>
-          </p:nvSpPr>
-          <p:spPr>
-            <a:xfrm>
-              <a:off x="4713595" y="2581163"/>
-              <a:ext cx="42578" cy="0"/>
+            <p:cNvPr id="47" name="pl47"/>
+            <p:cNvSpPr/>
+            <p:nvPr/>
+          </p:nvSpPr>
+          <p:spPr>
+            <a:xfrm>
+              <a:off x="7270006" y="4160364"/>
+              <a:ext cx="60229" cy="0"/>
             </a:xfrm>
             <a:custGeom>
               <a:avLst/>
@@ -9022,14 +8953,14 @@
         </p:sp>
         <p:sp>
           <p:nvSpPr>
-            <p:cNvPr id="42" name="pl42"/>
-            <p:cNvSpPr/>
-            <p:nvPr/>
-          </p:nvSpPr>
-          <p:spPr>
-            <a:xfrm>
-              <a:off x="4287806" y="2810683"/>
-              <a:ext cx="42578" cy="0"/>
+            <p:cNvPr id="48" name="pl48"/>
+            <p:cNvSpPr/>
+            <p:nvPr/>
+          </p:nvSpPr>
+          <p:spPr>
+            <a:xfrm>
+              <a:off x="2451547" y="3495207"/>
+              <a:ext cx="60229" cy="0"/>
             </a:xfrm>
             <a:custGeom>
               <a:avLst/>
@@ -9068,14 +8999,14 @@
         </p:sp>
         <p:sp>
           <p:nvSpPr>
-            <p:cNvPr id="43" name="pl43"/>
-            <p:cNvSpPr/>
-            <p:nvPr/>
-          </p:nvSpPr>
-          <p:spPr>
-            <a:xfrm>
-              <a:off x="4309096" y="2810683"/>
-              <a:ext cx="0" cy="176797"/>
+            <p:cNvPr id="49" name="pl49"/>
+            <p:cNvSpPr/>
+            <p:nvPr/>
+          </p:nvSpPr>
+          <p:spPr>
+            <a:xfrm>
+              <a:off x="2481663" y="3495207"/>
+              <a:ext cx="0" cy="963072"/>
             </a:xfrm>
             <a:custGeom>
               <a:avLst/>
@@ -9084,12 +9015,12 @@
               <a:cxnLst/>
               <a:rect l="0" t="0" r="0" b="0"/>
               <a:pathLst>
-                <a:path h="176797">
+                <a:path h="680824">
                   <a:moveTo>
                     <a:pt x="0" y="0"/>
                   </a:moveTo>
                   <a:lnTo>
-                    <a:pt x="0" y="176797"/>
+                    <a:pt x="0" y="680824"/>
                   </a:lnTo>
                 </a:path>
               </a:pathLst>
@@ -9114,14 +9045,14 @@
         </p:sp>
         <p:sp>
           <p:nvSpPr>
-            <p:cNvPr id="44" name="pl44"/>
-            <p:cNvSpPr/>
-            <p:nvPr/>
-          </p:nvSpPr>
-          <p:spPr>
-            <a:xfrm>
-              <a:off x="4287806" y="2987480"/>
-              <a:ext cx="42578" cy="0"/>
+            <p:cNvPr id="50" name="pl50"/>
+            <p:cNvSpPr/>
+            <p:nvPr/>
+          </p:nvSpPr>
+          <p:spPr>
+            <a:xfrm>
+              <a:off x="2451547" y="4458279"/>
+              <a:ext cx="60229" cy="0"/>
             </a:xfrm>
             <a:custGeom>
               <a:avLst/>
@@ -9160,290 +9091,14 @@
         </p:sp>
         <p:sp>
           <p:nvSpPr>
-            <p:cNvPr id="45" name="pl45"/>
-            <p:cNvSpPr/>
-            <p:nvPr/>
-          </p:nvSpPr>
-          <p:spPr>
-            <a:xfrm>
-              <a:off x="5139384" y="2802724"/>
-              <a:ext cx="42578" cy="0"/>
-            </a:xfrm>
-            <a:custGeom>
-              <a:avLst/>
-              <a:gdLst/>
-              <a:ahLst/>
-              <a:cxnLst/>
-              <a:rect l="0" t="0" r="0" b="0"/>
-              <a:pathLst>
-                <a:path w="42578">
-                  <a:moveTo>
-                    <a:pt x="0" y="0"/>
-                  </a:moveTo>
-                  <a:lnTo>
-                    <a:pt x="42578" y="0"/>
-                  </a:lnTo>
-                </a:path>
-              </a:pathLst>
-            </a:custGeom>
-            <a:ln w="13550" cap="flat">
-              <a:solidFill>
-                <a:srgbClr val="F8766D">
-                  <a:alpha val="100000"/>
-                </a:srgbClr>
-              </a:solidFill>
-              <a:prstDash val="solid"/>
-              <a:round/>
-            </a:ln>
-          </p:spPr>
-          <p:txBody>
-            <a:bodyPr/>
-            <a:lstStyle/>
-            <a:p>
-              <a:endParaRPr sz="2829"/>
-            </a:p>
-          </p:txBody>
-        </p:sp>
-        <p:sp>
-          <p:nvSpPr>
-            <p:cNvPr id="46" name="pl46"/>
-            <p:cNvSpPr/>
-            <p:nvPr/>
-          </p:nvSpPr>
-          <p:spPr>
-            <a:xfrm>
-              <a:off x="5160673" y="2802724"/>
-              <a:ext cx="0" cy="130571"/>
-            </a:xfrm>
-            <a:custGeom>
-              <a:avLst/>
-              <a:gdLst/>
-              <a:ahLst/>
-              <a:cxnLst/>
-              <a:rect l="0" t="0" r="0" b="0"/>
-              <a:pathLst>
-                <a:path h="130571">
-                  <a:moveTo>
-                    <a:pt x="0" y="0"/>
-                  </a:moveTo>
-                  <a:lnTo>
-                    <a:pt x="0" y="130571"/>
-                  </a:lnTo>
-                </a:path>
-              </a:pathLst>
-            </a:custGeom>
-            <a:ln w="13550" cap="flat">
-              <a:solidFill>
-                <a:srgbClr val="F8766D">
-                  <a:alpha val="100000"/>
-                </a:srgbClr>
-              </a:solidFill>
-              <a:prstDash val="solid"/>
-              <a:round/>
-            </a:ln>
-          </p:spPr>
-          <p:txBody>
-            <a:bodyPr/>
-            <a:lstStyle/>
-            <a:p>
-              <a:endParaRPr sz="2829"/>
-            </a:p>
-          </p:txBody>
-        </p:sp>
-        <p:sp>
-          <p:nvSpPr>
-            <p:cNvPr id="47" name="pl47"/>
-            <p:cNvSpPr/>
-            <p:nvPr/>
-          </p:nvSpPr>
-          <p:spPr>
-            <a:xfrm>
-              <a:off x="5139384" y="2933295"/>
-              <a:ext cx="42578" cy="0"/>
-            </a:xfrm>
-            <a:custGeom>
-              <a:avLst/>
-              <a:gdLst/>
-              <a:ahLst/>
-              <a:cxnLst/>
-              <a:rect l="0" t="0" r="0" b="0"/>
-              <a:pathLst>
-                <a:path w="42578">
-                  <a:moveTo>
-                    <a:pt x="0" y="0"/>
-                  </a:moveTo>
-                  <a:lnTo>
-                    <a:pt x="42578" y="0"/>
-                  </a:lnTo>
-                </a:path>
-              </a:pathLst>
-            </a:custGeom>
-            <a:ln w="13550" cap="flat">
-              <a:solidFill>
-                <a:srgbClr val="F8766D">
-                  <a:alpha val="100000"/>
-                </a:srgbClr>
-              </a:solidFill>
-              <a:prstDash val="solid"/>
-              <a:round/>
-            </a:ln>
-          </p:spPr>
-          <p:txBody>
-            <a:bodyPr/>
-            <a:lstStyle/>
-            <a:p>
-              <a:endParaRPr sz="2829"/>
-            </a:p>
-          </p:txBody>
-        </p:sp>
-        <p:sp>
-          <p:nvSpPr>
-            <p:cNvPr id="48" name="pl48"/>
-            <p:cNvSpPr/>
-            <p:nvPr/>
-          </p:nvSpPr>
-          <p:spPr>
-            <a:xfrm>
-              <a:off x="1733072" y="2463076"/>
-              <a:ext cx="42578" cy="0"/>
-            </a:xfrm>
-            <a:custGeom>
-              <a:avLst/>
-              <a:gdLst/>
-              <a:ahLst/>
-              <a:cxnLst/>
-              <a:rect l="0" t="0" r="0" b="0"/>
-              <a:pathLst>
-                <a:path w="42578">
-                  <a:moveTo>
-                    <a:pt x="0" y="0"/>
-                  </a:moveTo>
-                  <a:lnTo>
-                    <a:pt x="42578" y="0"/>
-                  </a:lnTo>
-                </a:path>
-              </a:pathLst>
-            </a:custGeom>
-            <a:ln w="13550" cap="flat">
-              <a:solidFill>
-                <a:srgbClr val="F8766D">
-                  <a:alpha val="100000"/>
-                </a:srgbClr>
-              </a:solidFill>
-              <a:prstDash val="solid"/>
-              <a:round/>
-            </a:ln>
-          </p:spPr>
-          <p:txBody>
-            <a:bodyPr/>
-            <a:lstStyle/>
-            <a:p>
-              <a:endParaRPr sz="2829"/>
-            </a:p>
-          </p:txBody>
-        </p:sp>
-        <p:sp>
-          <p:nvSpPr>
-            <p:cNvPr id="49" name="pl49"/>
-            <p:cNvSpPr/>
-            <p:nvPr/>
-          </p:nvSpPr>
-          <p:spPr>
-            <a:xfrm>
-              <a:off x="1754362" y="2463076"/>
-              <a:ext cx="0" cy="680824"/>
-            </a:xfrm>
-            <a:custGeom>
-              <a:avLst/>
-              <a:gdLst/>
-              <a:ahLst/>
-              <a:cxnLst/>
-              <a:rect l="0" t="0" r="0" b="0"/>
-              <a:pathLst>
-                <a:path h="680824">
-                  <a:moveTo>
-                    <a:pt x="0" y="0"/>
-                  </a:moveTo>
-                  <a:lnTo>
-                    <a:pt x="0" y="680824"/>
-                  </a:lnTo>
-                </a:path>
-              </a:pathLst>
-            </a:custGeom>
-            <a:ln w="13550" cap="flat">
-              <a:solidFill>
-                <a:srgbClr val="F8766D">
-                  <a:alpha val="100000"/>
-                </a:srgbClr>
-              </a:solidFill>
-              <a:prstDash val="solid"/>
-              <a:round/>
-            </a:ln>
-          </p:spPr>
-          <p:txBody>
-            <a:bodyPr/>
-            <a:lstStyle/>
-            <a:p>
-              <a:endParaRPr sz="2829"/>
-            </a:p>
-          </p:txBody>
-        </p:sp>
-        <p:sp>
-          <p:nvSpPr>
-            <p:cNvPr id="50" name="pl50"/>
-            <p:cNvSpPr/>
-            <p:nvPr/>
-          </p:nvSpPr>
-          <p:spPr>
-            <a:xfrm>
-              <a:off x="1733072" y="3143900"/>
-              <a:ext cx="42578" cy="0"/>
-            </a:xfrm>
-            <a:custGeom>
-              <a:avLst/>
-              <a:gdLst/>
-              <a:ahLst/>
-              <a:cxnLst/>
-              <a:rect l="0" t="0" r="0" b="0"/>
-              <a:pathLst>
-                <a:path w="42578">
-                  <a:moveTo>
-                    <a:pt x="0" y="0"/>
-                  </a:moveTo>
-                  <a:lnTo>
-                    <a:pt x="42578" y="0"/>
-                  </a:lnTo>
-                </a:path>
-              </a:pathLst>
-            </a:custGeom>
-            <a:ln w="13550" cap="flat">
-              <a:solidFill>
-                <a:srgbClr val="F8766D">
-                  <a:alpha val="100000"/>
-                </a:srgbClr>
-              </a:solidFill>
-              <a:prstDash val="solid"/>
-              <a:round/>
-            </a:ln>
-          </p:spPr>
-          <p:txBody>
-            <a:bodyPr/>
-            <a:lstStyle/>
-            <a:p>
-              <a:endParaRPr sz="2829"/>
-            </a:p>
-          </p:txBody>
-        </p:sp>
-        <p:sp>
-          <p:nvSpPr>
-            <p:cNvPr id="51" name="pt51"/>
-            <p:cNvSpPr/>
-            <p:nvPr/>
-          </p:nvSpPr>
-          <p:spPr>
-            <a:xfrm>
-              <a:off x="2155325" y="1946666"/>
-              <a:ext cx="49651" cy="49651"/>
+            <p:cNvPr id="52" name="pt52"/>
+            <p:cNvSpPr/>
+            <p:nvPr/>
+          </p:nvSpPr>
+          <p:spPr>
+            <a:xfrm>
+              <a:off x="4253467" y="2764796"/>
+              <a:ext cx="70235" cy="70235"/>
             </a:xfrm>
             <a:prstGeom prst="ellipse">
               <a:avLst/>
@@ -9473,14 +9128,14 @@
         </p:sp>
         <p:sp>
           <p:nvSpPr>
-            <p:cNvPr id="52" name="pt52"/>
-            <p:cNvSpPr/>
-            <p:nvPr/>
-          </p:nvSpPr>
-          <p:spPr>
-            <a:xfrm>
-              <a:off x="3006903" y="1946727"/>
-              <a:ext cx="49651" cy="49651"/>
+            <p:cNvPr id="53" name="pt53"/>
+            <p:cNvSpPr/>
+            <p:nvPr/>
+          </p:nvSpPr>
+          <p:spPr>
+            <a:xfrm>
+              <a:off x="3651160" y="3427349"/>
+              <a:ext cx="70235" cy="70235"/>
             </a:xfrm>
             <a:prstGeom prst="ellipse">
               <a:avLst/>
@@ -9510,14 +9165,14 @@
         </p:sp>
         <p:sp>
           <p:nvSpPr>
-            <p:cNvPr id="53" name="pt53"/>
-            <p:cNvSpPr/>
-            <p:nvPr/>
-          </p:nvSpPr>
-          <p:spPr>
-            <a:xfrm>
-              <a:off x="2581114" y="2415105"/>
-              <a:ext cx="49651" cy="49651"/>
+            <p:cNvPr id="54" name="pt54"/>
+            <p:cNvSpPr/>
+            <p:nvPr/>
+          </p:nvSpPr>
+          <p:spPr>
+            <a:xfrm>
+              <a:off x="4855775" y="4135269"/>
+              <a:ext cx="70235" cy="70235"/>
             </a:xfrm>
             <a:prstGeom prst="ellipse">
               <a:avLst/>
@@ -9547,14 +9202,14 @@
         </p:sp>
         <p:sp>
           <p:nvSpPr>
-            <p:cNvPr id="54" name="pt54"/>
-            <p:cNvSpPr/>
-            <p:nvPr/>
-          </p:nvSpPr>
-          <p:spPr>
-            <a:xfrm>
-              <a:off x="3432692" y="2915555"/>
-              <a:ext cx="49651" cy="49651"/>
+            <p:cNvPr id="56" name="pt56"/>
+            <p:cNvSpPr/>
+            <p:nvPr/>
+          </p:nvSpPr>
+          <p:spPr>
+            <a:xfrm>
+              <a:off x="6662696" y="3102466"/>
+              <a:ext cx="70235" cy="70235"/>
             </a:xfrm>
             <a:prstGeom prst="ellipse">
               <a:avLst/>
@@ -9584,14 +9239,14 @@
         </p:sp>
         <p:sp>
           <p:nvSpPr>
-            <p:cNvPr id="55" name="pt55"/>
-            <p:cNvSpPr/>
-            <p:nvPr/>
-          </p:nvSpPr>
-          <p:spPr>
-            <a:xfrm>
-              <a:off x="3858481" y="2480802"/>
-              <a:ext cx="49651" cy="49651"/>
+            <p:cNvPr id="57" name="pt57"/>
+            <p:cNvSpPr/>
+            <p:nvPr/>
+          </p:nvSpPr>
+          <p:spPr>
+            <a:xfrm>
+              <a:off x="6060389" y="4071783"/>
+              <a:ext cx="70235" cy="70235"/>
             </a:xfrm>
             <a:prstGeom prst="ellipse">
               <a:avLst/>
@@ -9621,14 +9276,14 @@
         </p:sp>
         <p:sp>
           <p:nvSpPr>
-            <p:cNvPr id="56" name="pt56"/>
-            <p:cNvSpPr/>
-            <p:nvPr/>
-          </p:nvSpPr>
-          <p:spPr>
-            <a:xfrm>
-              <a:off x="4710059" y="2185436"/>
-              <a:ext cx="49651" cy="49651"/>
+            <p:cNvPr id="58" name="pt58"/>
+            <p:cNvSpPr/>
+            <p:nvPr/>
+          </p:nvSpPr>
+          <p:spPr>
+            <a:xfrm>
+              <a:off x="7265002" y="4036636"/>
+              <a:ext cx="70235" cy="70235"/>
             </a:xfrm>
             <a:prstGeom prst="ellipse">
               <a:avLst/>
@@ -9658,14 +9313,14 @@
         </p:sp>
         <p:sp>
           <p:nvSpPr>
-            <p:cNvPr id="57" name="pt57"/>
-            <p:cNvSpPr/>
-            <p:nvPr/>
-          </p:nvSpPr>
-          <p:spPr>
-            <a:xfrm>
-              <a:off x="4284270" y="2870675"/>
-              <a:ext cx="49651" cy="49651"/>
+            <p:cNvPr id="59" name="pt59"/>
+            <p:cNvSpPr/>
+            <p:nvPr/>
+          </p:nvSpPr>
+          <p:spPr>
+            <a:xfrm>
+              <a:off x="2446545" y="3952354"/>
+              <a:ext cx="70235" cy="70235"/>
             </a:xfrm>
             <a:prstGeom prst="ellipse">
               <a:avLst/>
@@ -9695,88 +9350,14 @@
         </p:sp>
         <p:sp>
           <p:nvSpPr>
-            <p:cNvPr id="58" name="pt58"/>
-            <p:cNvSpPr/>
-            <p:nvPr/>
-          </p:nvSpPr>
-          <p:spPr>
-            <a:xfrm>
-              <a:off x="5135847" y="2845828"/>
-              <a:ext cx="49651" cy="49651"/>
-            </a:xfrm>
-            <a:prstGeom prst="ellipse">
-              <a:avLst/>
-            </a:prstGeom>
-            <a:solidFill>
-              <a:srgbClr val="F8766D">
-                <a:alpha val="100000"/>
-              </a:srgbClr>
-            </a:solidFill>
-            <a:ln w="9000" cap="rnd">
-              <a:solidFill>
-                <a:srgbClr val="F8766D">
-                  <a:alpha val="100000"/>
-                </a:srgbClr>
-              </a:solidFill>
-              <a:prstDash val="solid"/>
-              <a:round/>
-            </a:ln>
-          </p:spPr>
-          <p:txBody>
-            <a:bodyPr/>
-            <a:lstStyle/>
-            <a:p>
-              <a:endParaRPr sz="2829"/>
-            </a:p>
-          </p:txBody>
-        </p:sp>
-        <p:sp>
-          <p:nvSpPr>
-            <p:cNvPr id="59" name="pt59"/>
-            <p:cNvSpPr/>
-            <p:nvPr/>
-          </p:nvSpPr>
-          <p:spPr>
-            <a:xfrm>
-              <a:off x="1729536" y="2786247"/>
-              <a:ext cx="49651" cy="49651"/>
-            </a:xfrm>
-            <a:prstGeom prst="ellipse">
-              <a:avLst/>
-            </a:prstGeom>
-            <a:solidFill>
-              <a:srgbClr val="F8766D">
-                <a:alpha val="100000"/>
-              </a:srgbClr>
-            </a:solidFill>
-            <a:ln w="9000" cap="rnd">
-              <a:solidFill>
-                <a:srgbClr val="F8766D">
-                  <a:alpha val="100000"/>
-                </a:srgbClr>
-              </a:solidFill>
-              <a:prstDash val="solid"/>
-              <a:round/>
-            </a:ln>
-          </p:spPr>
-          <p:txBody>
-            <a:bodyPr/>
-            <a:lstStyle/>
-            <a:p>
-              <a:endParaRPr sz="2829"/>
-            </a:p>
-          </p:txBody>
-        </p:sp>
-        <p:sp>
-          <p:nvSpPr>
             <p:cNvPr id="60" name="tx60"/>
             <p:cNvSpPr/>
             <p:nvPr/>
           </p:nvSpPr>
           <p:spPr>
             <a:xfrm>
-              <a:off x="1294996" y="2833832"/>
-              <a:ext cx="70631" cy="92831"/>
+              <a:off x="1772495" y="4107309"/>
+              <a:ext cx="99912" cy="131316"/>
             </a:xfrm>
             <a:prstGeom prst="rect">
               <a:avLst/>
@@ -9793,14 +9374,14 @@
                 </a:lnSpc>
               </a:pPr>
               <a:r>
-                <a:rPr sz="1415">
+                <a:rPr sz="2400">
                   <a:solidFill>
                     <a:srgbClr val="000000">
                       <a:alpha val="100000"/>
                     </a:srgbClr>
                   </a:solidFill>
-                  <a:latin typeface="Arial"/>
-                  <a:cs typeface="Arial"/>
+                  <a:latin typeface="Times New Roman" panose="02020603050405020304" pitchFamily="18" charset="0"/>
+                  <a:cs typeface="Times New Roman" panose="02020603050405020304" pitchFamily="18" charset="0"/>
                 </a:rPr>
                 <a:t>0</a:t>
               </a:r>
@@ -9815,8 +9396,8 @@
           </p:nvSpPr>
           <p:spPr>
             <a:xfrm>
-              <a:off x="1294996" y="2364714"/>
-              <a:ext cx="141262" cy="92831"/>
+              <a:off x="1772495" y="3443710"/>
+              <a:ext cx="199825" cy="131316"/>
             </a:xfrm>
             <a:prstGeom prst="rect">
               <a:avLst/>
@@ -9833,14 +9414,14 @@
                 </a:lnSpc>
               </a:pPr>
               <a:r>
-                <a:rPr sz="1415">
+                <a:rPr sz="2400">
                   <a:solidFill>
                     <a:srgbClr val="000000">
                       <a:alpha val="100000"/>
                     </a:srgbClr>
                   </a:solidFill>
-                  <a:latin typeface="Arial"/>
-                  <a:cs typeface="Arial"/>
+                  <a:latin typeface="Times New Roman" panose="02020603050405020304" pitchFamily="18" charset="0"/>
+                  <a:cs typeface="Times New Roman" panose="02020603050405020304" pitchFamily="18" charset="0"/>
                 </a:rPr>
                 <a:t>20</a:t>
               </a:r>
@@ -9855,8 +9436,8 @@
           </p:nvSpPr>
           <p:spPr>
             <a:xfrm>
-              <a:off x="1294996" y="1895596"/>
-              <a:ext cx="141262" cy="92831"/>
+              <a:off x="1772495" y="2780111"/>
+              <a:ext cx="199825" cy="131316"/>
             </a:xfrm>
             <a:prstGeom prst="rect">
               <a:avLst/>
@@ -9873,14 +9454,14 @@
                 </a:lnSpc>
               </a:pPr>
               <a:r>
-                <a:rPr sz="1415">
+                <a:rPr sz="2400">
                   <a:solidFill>
                     <a:srgbClr val="000000">
                       <a:alpha val="100000"/>
                     </a:srgbClr>
                   </a:solidFill>
-                  <a:latin typeface="Arial"/>
-                  <a:cs typeface="Arial"/>
+                  <a:latin typeface="Times New Roman" panose="02020603050405020304" pitchFamily="18" charset="0"/>
+                  <a:cs typeface="Times New Roman" panose="02020603050405020304" pitchFamily="18" charset="0"/>
                 </a:rPr>
                 <a:t>40</a:t>
               </a:r>
@@ -9895,8 +9476,8 @@
           </p:nvSpPr>
           <p:spPr>
             <a:xfrm>
-              <a:off x="1294996" y="1426478"/>
-              <a:ext cx="141262" cy="92831"/>
+              <a:off x="1772495" y="2116512"/>
+              <a:ext cx="199825" cy="131316"/>
             </a:xfrm>
             <a:prstGeom prst="rect">
               <a:avLst/>
@@ -9913,14 +9494,14 @@
                 </a:lnSpc>
               </a:pPr>
               <a:r>
-                <a:rPr sz="1415">
+                <a:rPr sz="2400">
                   <a:solidFill>
                     <a:srgbClr val="000000">
                       <a:alpha val="100000"/>
                     </a:srgbClr>
                   </a:solidFill>
-                  <a:latin typeface="Arial"/>
-                  <a:cs typeface="Arial"/>
+                  <a:latin typeface="Times New Roman" panose="02020603050405020304" pitchFamily="18" charset="0"/>
+                  <a:cs typeface="Times New Roman" panose="02020603050405020304" pitchFamily="18" charset="0"/>
                 </a:rPr>
                 <a:t>60</a:t>
               </a:r>
@@ -9935,8 +9516,8 @@
           </p:nvSpPr>
           <p:spPr>
             <a:xfrm>
-              <a:off x="1464094" y="2881209"/>
-              <a:ext cx="34794" cy="0"/>
+              <a:off x="2071060" y="4086684"/>
+              <a:ext cx="49218" cy="0"/>
             </a:xfrm>
             <a:custGeom>
               <a:avLst/>
@@ -9969,7 +9550,10 @@
             <a:bodyPr/>
             <a:lstStyle/>
             <a:p>
-              <a:endParaRPr sz="2829"/>
+              <a:endParaRPr sz="2400">
+                <a:latin typeface="Times New Roman" panose="02020603050405020304" pitchFamily="18" charset="0"/>
+                <a:cs typeface="Times New Roman" panose="02020603050405020304" pitchFamily="18" charset="0"/>
+              </a:endParaRPr>
             </a:p>
           </p:txBody>
         </p:sp>
@@ -9981,8 +9565,8 @@
           </p:nvSpPr>
           <p:spPr>
             <a:xfrm>
-              <a:off x="1464094" y="2412091"/>
-              <a:ext cx="34794" cy="0"/>
+              <a:off x="2071060" y="3423085"/>
+              <a:ext cx="49218" cy="0"/>
             </a:xfrm>
             <a:custGeom>
               <a:avLst/>
@@ -10015,7 +9599,10 @@
             <a:bodyPr/>
             <a:lstStyle/>
             <a:p>
-              <a:endParaRPr sz="2829"/>
+              <a:endParaRPr sz="2400">
+                <a:latin typeface="Times New Roman" panose="02020603050405020304" pitchFamily="18" charset="0"/>
+                <a:cs typeface="Times New Roman" panose="02020603050405020304" pitchFamily="18" charset="0"/>
+              </a:endParaRPr>
             </a:p>
           </p:txBody>
         </p:sp>
@@ -10027,8 +9614,8 @@
           </p:nvSpPr>
           <p:spPr>
             <a:xfrm>
-              <a:off x="1464094" y="1942973"/>
-              <a:ext cx="34794" cy="0"/>
+              <a:off x="2071060" y="2759486"/>
+              <a:ext cx="49218" cy="0"/>
             </a:xfrm>
             <a:custGeom>
               <a:avLst/>
@@ -10061,7 +9648,10 @@
             <a:bodyPr/>
             <a:lstStyle/>
             <a:p>
-              <a:endParaRPr sz="2829"/>
+              <a:endParaRPr sz="2400">
+                <a:latin typeface="Times New Roman" panose="02020603050405020304" pitchFamily="18" charset="0"/>
+                <a:cs typeface="Times New Roman" panose="02020603050405020304" pitchFamily="18" charset="0"/>
+              </a:endParaRPr>
             </a:p>
           </p:txBody>
         </p:sp>
@@ -10073,8 +9663,8 @@
           </p:nvSpPr>
           <p:spPr>
             <a:xfrm>
-              <a:off x="1464094" y="1473855"/>
-              <a:ext cx="34794" cy="0"/>
+              <a:off x="2071060" y="2095887"/>
+              <a:ext cx="49218" cy="0"/>
             </a:xfrm>
             <a:custGeom>
               <a:avLst/>
@@ -10107,421 +9697,10 @@
             <a:bodyPr/>
             <a:lstStyle/>
             <a:p>
-              <a:endParaRPr sz="2829"/>
-            </a:p>
-          </p:txBody>
-        </p:sp>
-        <p:sp>
-          <p:nvSpPr>
-            <p:cNvPr id="68" name="pl68"/>
-            <p:cNvSpPr/>
-            <p:nvPr/>
-          </p:nvSpPr>
-          <p:spPr>
-            <a:xfrm>
-              <a:off x="1754362" y="3245468"/>
-              <a:ext cx="0" cy="34794"/>
-            </a:xfrm>
-            <a:custGeom>
-              <a:avLst/>
-              <a:gdLst/>
-              <a:ahLst/>
-              <a:cxnLst/>
-              <a:rect l="0" t="0" r="0" b="0"/>
-              <a:pathLst>
-                <a:path h="34794">
-                  <a:moveTo>
-                    <a:pt x="0" y="34794"/>
-                  </a:moveTo>
-                  <a:lnTo>
-                    <a:pt x="0" y="0"/>
-                  </a:lnTo>
-                </a:path>
-              </a:pathLst>
-            </a:custGeom>
-            <a:ln w="13550" cap="flat">
-              <a:solidFill>
-                <a:srgbClr val="333333">
-                  <a:alpha val="100000"/>
-                </a:srgbClr>
-              </a:solidFill>
-              <a:prstDash val="solid"/>
-              <a:round/>
-            </a:ln>
-          </p:spPr>
-          <p:txBody>
-            <a:bodyPr/>
-            <a:lstStyle/>
-            <a:p>
-              <a:endParaRPr sz="2829"/>
-            </a:p>
-          </p:txBody>
-        </p:sp>
-        <p:sp>
-          <p:nvSpPr>
-            <p:cNvPr id="69" name="pl69"/>
-            <p:cNvSpPr/>
-            <p:nvPr/>
-          </p:nvSpPr>
-          <p:spPr>
-            <a:xfrm>
-              <a:off x="2180151" y="3245468"/>
-              <a:ext cx="0" cy="34794"/>
-            </a:xfrm>
-            <a:custGeom>
-              <a:avLst/>
-              <a:gdLst/>
-              <a:ahLst/>
-              <a:cxnLst/>
-              <a:rect l="0" t="0" r="0" b="0"/>
-              <a:pathLst>
-                <a:path h="34794">
-                  <a:moveTo>
-                    <a:pt x="0" y="34794"/>
-                  </a:moveTo>
-                  <a:lnTo>
-                    <a:pt x="0" y="0"/>
-                  </a:lnTo>
-                </a:path>
-              </a:pathLst>
-            </a:custGeom>
-            <a:ln w="13550" cap="flat">
-              <a:solidFill>
-                <a:srgbClr val="333333">
-                  <a:alpha val="100000"/>
-                </a:srgbClr>
-              </a:solidFill>
-              <a:prstDash val="solid"/>
-              <a:round/>
-            </a:ln>
-          </p:spPr>
-          <p:txBody>
-            <a:bodyPr/>
-            <a:lstStyle/>
-            <a:p>
-              <a:endParaRPr sz="2829"/>
-            </a:p>
-          </p:txBody>
-        </p:sp>
-        <p:sp>
-          <p:nvSpPr>
-            <p:cNvPr id="70" name="pl70"/>
-            <p:cNvSpPr/>
-            <p:nvPr/>
-          </p:nvSpPr>
-          <p:spPr>
-            <a:xfrm>
-              <a:off x="2605940" y="3245468"/>
-              <a:ext cx="0" cy="34794"/>
-            </a:xfrm>
-            <a:custGeom>
-              <a:avLst/>
-              <a:gdLst/>
-              <a:ahLst/>
-              <a:cxnLst/>
-              <a:rect l="0" t="0" r="0" b="0"/>
-              <a:pathLst>
-                <a:path h="34794">
-                  <a:moveTo>
-                    <a:pt x="0" y="34794"/>
-                  </a:moveTo>
-                  <a:lnTo>
-                    <a:pt x="0" y="0"/>
-                  </a:lnTo>
-                </a:path>
-              </a:pathLst>
-            </a:custGeom>
-            <a:ln w="13550" cap="flat">
-              <a:solidFill>
-                <a:srgbClr val="333333">
-                  <a:alpha val="100000"/>
-                </a:srgbClr>
-              </a:solidFill>
-              <a:prstDash val="solid"/>
-              <a:round/>
-            </a:ln>
-          </p:spPr>
-          <p:txBody>
-            <a:bodyPr/>
-            <a:lstStyle/>
-            <a:p>
-              <a:endParaRPr sz="2829"/>
-            </a:p>
-          </p:txBody>
-        </p:sp>
-        <p:sp>
-          <p:nvSpPr>
-            <p:cNvPr id="71" name="pl71"/>
-            <p:cNvSpPr/>
-            <p:nvPr/>
-          </p:nvSpPr>
-          <p:spPr>
-            <a:xfrm>
-              <a:off x="3031729" y="3245468"/>
-              <a:ext cx="0" cy="34794"/>
-            </a:xfrm>
-            <a:custGeom>
-              <a:avLst/>
-              <a:gdLst/>
-              <a:ahLst/>
-              <a:cxnLst/>
-              <a:rect l="0" t="0" r="0" b="0"/>
-              <a:pathLst>
-                <a:path h="34794">
-                  <a:moveTo>
-                    <a:pt x="0" y="34794"/>
-                  </a:moveTo>
-                  <a:lnTo>
-                    <a:pt x="0" y="0"/>
-                  </a:lnTo>
-                </a:path>
-              </a:pathLst>
-            </a:custGeom>
-            <a:ln w="13550" cap="flat">
-              <a:solidFill>
-                <a:srgbClr val="333333">
-                  <a:alpha val="100000"/>
-                </a:srgbClr>
-              </a:solidFill>
-              <a:prstDash val="solid"/>
-              <a:round/>
-            </a:ln>
-          </p:spPr>
-          <p:txBody>
-            <a:bodyPr/>
-            <a:lstStyle/>
-            <a:p>
-              <a:endParaRPr sz="2829"/>
-            </a:p>
-          </p:txBody>
-        </p:sp>
-        <p:sp>
-          <p:nvSpPr>
-            <p:cNvPr id="72" name="pl72"/>
-            <p:cNvSpPr/>
-            <p:nvPr/>
-          </p:nvSpPr>
-          <p:spPr>
-            <a:xfrm>
-              <a:off x="3457518" y="3245468"/>
-              <a:ext cx="0" cy="34794"/>
-            </a:xfrm>
-            <a:custGeom>
-              <a:avLst/>
-              <a:gdLst/>
-              <a:ahLst/>
-              <a:cxnLst/>
-              <a:rect l="0" t="0" r="0" b="0"/>
-              <a:pathLst>
-                <a:path h="34794">
-                  <a:moveTo>
-                    <a:pt x="0" y="34794"/>
-                  </a:moveTo>
-                  <a:lnTo>
-                    <a:pt x="0" y="0"/>
-                  </a:lnTo>
-                </a:path>
-              </a:pathLst>
-            </a:custGeom>
-            <a:ln w="13550" cap="flat">
-              <a:solidFill>
-                <a:srgbClr val="333333">
-                  <a:alpha val="100000"/>
-                </a:srgbClr>
-              </a:solidFill>
-              <a:prstDash val="solid"/>
-              <a:round/>
-            </a:ln>
-          </p:spPr>
-          <p:txBody>
-            <a:bodyPr/>
-            <a:lstStyle/>
-            <a:p>
-              <a:endParaRPr sz="2829"/>
-            </a:p>
-          </p:txBody>
-        </p:sp>
-        <p:sp>
-          <p:nvSpPr>
-            <p:cNvPr id="73" name="pl73"/>
-            <p:cNvSpPr/>
-            <p:nvPr/>
-          </p:nvSpPr>
-          <p:spPr>
-            <a:xfrm>
-              <a:off x="3883307" y="3245468"/>
-              <a:ext cx="0" cy="34794"/>
-            </a:xfrm>
-            <a:custGeom>
-              <a:avLst/>
-              <a:gdLst/>
-              <a:ahLst/>
-              <a:cxnLst/>
-              <a:rect l="0" t="0" r="0" b="0"/>
-              <a:pathLst>
-                <a:path h="34794">
-                  <a:moveTo>
-                    <a:pt x="0" y="34794"/>
-                  </a:moveTo>
-                  <a:lnTo>
-                    <a:pt x="0" y="0"/>
-                  </a:lnTo>
-                </a:path>
-              </a:pathLst>
-            </a:custGeom>
-            <a:ln w="13550" cap="flat">
-              <a:solidFill>
-                <a:srgbClr val="333333">
-                  <a:alpha val="100000"/>
-                </a:srgbClr>
-              </a:solidFill>
-              <a:prstDash val="solid"/>
-              <a:round/>
-            </a:ln>
-          </p:spPr>
-          <p:txBody>
-            <a:bodyPr/>
-            <a:lstStyle/>
-            <a:p>
-              <a:endParaRPr sz="2829"/>
-            </a:p>
-          </p:txBody>
-        </p:sp>
-        <p:sp>
-          <p:nvSpPr>
-            <p:cNvPr id="74" name="pl74"/>
-            <p:cNvSpPr/>
-            <p:nvPr/>
-          </p:nvSpPr>
-          <p:spPr>
-            <a:xfrm>
-              <a:off x="4309096" y="3245468"/>
-              <a:ext cx="0" cy="34794"/>
-            </a:xfrm>
-            <a:custGeom>
-              <a:avLst/>
-              <a:gdLst/>
-              <a:ahLst/>
-              <a:cxnLst/>
-              <a:rect l="0" t="0" r="0" b="0"/>
-              <a:pathLst>
-                <a:path h="34794">
-                  <a:moveTo>
-                    <a:pt x="0" y="34794"/>
-                  </a:moveTo>
-                  <a:lnTo>
-                    <a:pt x="0" y="0"/>
-                  </a:lnTo>
-                </a:path>
-              </a:pathLst>
-            </a:custGeom>
-            <a:ln w="13550" cap="flat">
-              <a:solidFill>
-                <a:srgbClr val="333333">
-                  <a:alpha val="100000"/>
-                </a:srgbClr>
-              </a:solidFill>
-              <a:prstDash val="solid"/>
-              <a:round/>
-            </a:ln>
-          </p:spPr>
-          <p:txBody>
-            <a:bodyPr/>
-            <a:lstStyle/>
-            <a:p>
-              <a:endParaRPr sz="2829"/>
-            </a:p>
-          </p:txBody>
-        </p:sp>
-        <p:sp>
-          <p:nvSpPr>
-            <p:cNvPr id="75" name="pl75"/>
-            <p:cNvSpPr/>
-            <p:nvPr/>
-          </p:nvSpPr>
-          <p:spPr>
-            <a:xfrm>
-              <a:off x="4734884" y="3245468"/>
-              <a:ext cx="0" cy="34794"/>
-            </a:xfrm>
-            <a:custGeom>
-              <a:avLst/>
-              <a:gdLst/>
-              <a:ahLst/>
-              <a:cxnLst/>
-              <a:rect l="0" t="0" r="0" b="0"/>
-              <a:pathLst>
-                <a:path h="34794">
-                  <a:moveTo>
-                    <a:pt x="0" y="34794"/>
-                  </a:moveTo>
-                  <a:lnTo>
-                    <a:pt x="0" y="0"/>
-                  </a:lnTo>
-                </a:path>
-              </a:pathLst>
-            </a:custGeom>
-            <a:ln w="13550" cap="flat">
-              <a:solidFill>
-                <a:srgbClr val="333333">
-                  <a:alpha val="100000"/>
-                </a:srgbClr>
-              </a:solidFill>
-              <a:prstDash val="solid"/>
-              <a:round/>
-            </a:ln>
-          </p:spPr>
-          <p:txBody>
-            <a:bodyPr/>
-            <a:lstStyle/>
-            <a:p>
-              <a:endParaRPr sz="2829"/>
-            </a:p>
-          </p:txBody>
-        </p:sp>
-        <p:sp>
-          <p:nvSpPr>
-            <p:cNvPr id="76" name="pl76"/>
-            <p:cNvSpPr/>
-            <p:nvPr/>
-          </p:nvSpPr>
-          <p:spPr>
-            <a:xfrm>
-              <a:off x="5160673" y="3245468"/>
-              <a:ext cx="0" cy="34794"/>
-            </a:xfrm>
-            <a:custGeom>
-              <a:avLst/>
-              <a:gdLst/>
-              <a:ahLst/>
-              <a:cxnLst/>
-              <a:rect l="0" t="0" r="0" b="0"/>
-              <a:pathLst>
-                <a:path h="34794">
-                  <a:moveTo>
-                    <a:pt x="0" y="34794"/>
-                  </a:moveTo>
-                  <a:lnTo>
-                    <a:pt x="0" y="0"/>
-                  </a:lnTo>
-                </a:path>
-              </a:pathLst>
-            </a:custGeom>
-            <a:ln w="13550" cap="flat">
-              <a:solidFill>
-                <a:srgbClr val="333333">
-                  <a:alpha val="100000"/>
-                </a:srgbClr>
-              </a:solidFill>
-              <a:prstDash val="solid"/>
-              <a:round/>
-            </a:ln>
-          </p:spPr>
-          <p:txBody>
-            <a:bodyPr/>
-            <a:lstStyle/>
-            <a:p>
-              <a:endParaRPr sz="2829"/>
+              <a:endParaRPr sz="2400">
+                <a:latin typeface="Times New Roman" panose="02020603050405020304" pitchFamily="18" charset="0"/>
+                <a:cs typeface="Times New Roman" panose="02020603050405020304" pitchFamily="18" charset="0"/>
+              </a:endParaRPr>
             </a:p>
           </p:txBody>
         </p:sp>
@@ -10532,9 +9711,9 @@
             <p:nvPr/>
           </p:nvSpPr>
           <p:spPr>
-            <a:xfrm rot="-2700000">
-              <a:off x="891084" y="3638891"/>
-              <a:ext cx="1037952" cy="117698"/>
+            <a:xfrm rot="18900000">
+              <a:off x="1260498" y="5287644"/>
+              <a:ext cx="1468253" cy="166492"/>
             </a:xfrm>
             <a:prstGeom prst="rect">
               <a:avLst/>
@@ -10551,30 +9730,39 @@
                 </a:lnSpc>
               </a:pPr>
               <a:r>
-                <a:rPr sz="1415">
+                <a:rPr lang="en-US" dirty="0">
                   <a:solidFill>
                     <a:srgbClr val="000000">
                       <a:alpha val="100000"/>
                     </a:srgbClr>
                   </a:solidFill>
-                  <a:latin typeface="Arial"/>
-                  <a:cs typeface="Arial"/>
+                  <a:latin typeface="Times New Roman" panose="02020603050405020304" pitchFamily="18" charset="0"/>
+                  <a:cs typeface="Times New Roman" panose="02020603050405020304" pitchFamily="18" charset="0"/>
                 </a:rPr>
-                <a:t>Cor_spp_1_spp_2</a:t>
+                <a:t>Interspecific</a:t>
               </a:r>
-            </a:p>
-          </p:txBody>
-        </p:sp>
-        <p:sp>
-          <p:nvSpPr>
-            <p:cNvPr id="78" name="tx78"/>
-            <p:cNvSpPr/>
-            <p:nvPr/>
-          </p:nvSpPr>
-          <p:spPr>
-            <a:xfrm rot="-2700000">
-              <a:off x="1516043" y="3557570"/>
-              <a:ext cx="805098" cy="116520"/>
+              <a:endParaRPr dirty="0">
+                <a:solidFill>
+                  <a:srgbClr val="000000">
+                    <a:alpha val="100000"/>
+                  </a:srgbClr>
+                </a:solidFill>
+                <a:latin typeface="Times New Roman" panose="02020603050405020304" pitchFamily="18" charset="0"/>
+                <a:cs typeface="Times New Roman" panose="02020603050405020304" pitchFamily="18" charset="0"/>
+              </a:endParaRPr>
+            </a:p>
+          </p:txBody>
+        </p:sp>
+        <p:sp>
+          <p:nvSpPr>
+            <p:cNvPr id="79" name="tx79"/>
+            <p:cNvSpPr/>
+            <p:nvPr/>
+          </p:nvSpPr>
+          <p:spPr>
+            <a:xfrm rot="18900000">
+              <a:off x="2414563" y="5310249"/>
+              <a:ext cx="1528166" cy="164825"/>
             </a:xfrm>
             <a:prstGeom prst="rect">
               <a:avLst/>
@@ -10591,30 +9779,51 @@
                 </a:lnSpc>
               </a:pPr>
               <a:r>
-                <a:rPr sz="1415">
+                <a:rPr lang="en-US" dirty="0">
                   <a:solidFill>
                     <a:srgbClr val="000000">
                       <a:alpha val="100000"/>
                     </a:srgbClr>
                   </a:solidFill>
-                  <a:latin typeface="Arial"/>
-                  <a:cs typeface="Arial"/>
+                  <a:latin typeface="Times New Roman" panose="02020603050405020304" pitchFamily="18" charset="0"/>
+                  <a:cs typeface="Times New Roman" panose="02020603050405020304" pitchFamily="18" charset="0"/>
                 </a:rPr>
-                <a:t>spp_1_beta_1</a:t>
+                <a:t>Fisher </a:t>
               </a:r>
-            </a:p>
-          </p:txBody>
-        </p:sp>
-        <p:sp>
-          <p:nvSpPr>
-            <p:cNvPr id="79" name="tx79"/>
-            <p:cNvSpPr/>
-            <p:nvPr/>
-          </p:nvSpPr>
-          <p:spPr>
-            <a:xfrm rot="-2700000">
-              <a:off x="1706927" y="3654871"/>
-              <a:ext cx="1080306" cy="116520"/>
+              <a:r>
+                <a:rPr dirty="0" err="1">
+                  <a:solidFill>
+                    <a:srgbClr val="000000">
+                      <a:alpha val="100000"/>
+                    </a:srgbClr>
+                  </a:solidFill>
+                  <a:latin typeface="Times New Roman" panose="02020603050405020304" pitchFamily="18" charset="0"/>
+                  <a:cs typeface="Times New Roman" panose="02020603050405020304" pitchFamily="18" charset="0"/>
+                </a:rPr>
+                <a:t>InterIsland</a:t>
+              </a:r>
+              <a:endParaRPr dirty="0">
+                <a:solidFill>
+                  <a:srgbClr val="000000">
+                    <a:alpha val="100000"/>
+                  </a:srgbClr>
+                </a:solidFill>
+                <a:latin typeface="Times New Roman" panose="02020603050405020304" pitchFamily="18" charset="0"/>
+                <a:cs typeface="Times New Roman" panose="02020603050405020304" pitchFamily="18" charset="0"/>
+              </a:endParaRPr>
+            </a:p>
+          </p:txBody>
+        </p:sp>
+        <p:sp>
+          <p:nvSpPr>
+            <p:cNvPr id="80" name="tx80"/>
+            <p:cNvSpPr/>
+            <p:nvPr/>
+          </p:nvSpPr>
+          <p:spPr>
+            <a:xfrm rot="18900000">
+              <a:off x="3016871" y="5310249"/>
+              <a:ext cx="1528166" cy="164825"/>
             </a:xfrm>
             <a:prstGeom prst="rect">
               <a:avLst/>
@@ -10631,30 +9840,51 @@
                 </a:lnSpc>
               </a:pPr>
               <a:r>
-                <a:rPr sz="1415">
+                <a:rPr lang="en-US" dirty="0">
                   <a:solidFill>
                     <a:srgbClr val="000000">
                       <a:alpha val="100000"/>
                     </a:srgbClr>
                   </a:solidFill>
-                  <a:latin typeface="Arial"/>
-                  <a:cs typeface="Arial"/>
+                  <a:latin typeface="Times New Roman" panose="02020603050405020304" pitchFamily="18" charset="0"/>
+                  <a:cs typeface="Times New Roman" panose="02020603050405020304" pitchFamily="18" charset="0"/>
                 </a:rPr>
-                <a:t>spp_1_Inter_Island</a:t>
+                <a:t>Fisher </a:t>
               </a:r>
-            </a:p>
-          </p:txBody>
-        </p:sp>
-        <p:sp>
-          <p:nvSpPr>
-            <p:cNvPr id="80" name="tx80"/>
-            <p:cNvSpPr/>
-            <p:nvPr/>
-          </p:nvSpPr>
-          <p:spPr>
-            <a:xfrm rot="-2700000">
-              <a:off x="2132716" y="3654871"/>
-              <a:ext cx="1080306" cy="116520"/>
+              <a:r>
+                <a:rPr dirty="0" err="1">
+                  <a:solidFill>
+                    <a:srgbClr val="000000">
+                      <a:alpha val="100000"/>
+                    </a:srgbClr>
+                  </a:solidFill>
+                  <a:latin typeface="Times New Roman" panose="02020603050405020304" pitchFamily="18" charset="0"/>
+                  <a:cs typeface="Times New Roman" panose="02020603050405020304" pitchFamily="18" charset="0"/>
+                </a:rPr>
+                <a:t>IntraIsland</a:t>
+              </a:r>
+              <a:endParaRPr dirty="0">
+                <a:solidFill>
+                  <a:srgbClr val="000000">
+                    <a:alpha val="100000"/>
+                  </a:srgbClr>
+                </a:solidFill>
+                <a:latin typeface="Times New Roman" panose="02020603050405020304" pitchFamily="18" charset="0"/>
+                <a:cs typeface="Times New Roman" panose="02020603050405020304" pitchFamily="18" charset="0"/>
+              </a:endParaRPr>
+            </a:p>
+          </p:txBody>
+        </p:sp>
+        <p:sp>
+          <p:nvSpPr>
+            <p:cNvPr id="81" name="tx81"/>
+            <p:cNvSpPr/>
+            <p:nvPr/>
+          </p:nvSpPr>
+          <p:spPr>
+            <a:xfrm rot="18900000">
+              <a:off x="3798200" y="5236094"/>
+              <a:ext cx="1318428" cy="164825"/>
             </a:xfrm>
             <a:prstGeom prst="rect">
               <a:avLst/>
@@ -10671,30 +9901,42 @@
                 </a:lnSpc>
               </a:pPr>
               <a:r>
-                <a:rPr sz="1415">
+                <a:rPr lang="en-US" dirty="0">
                   <a:solidFill>
                     <a:srgbClr val="000000">
                       <a:alpha val="100000"/>
                     </a:srgbClr>
                   </a:solidFill>
-                  <a:latin typeface="Arial"/>
-                  <a:cs typeface="Arial"/>
+                  <a:latin typeface="Times New Roman" panose="02020603050405020304" pitchFamily="18" charset="0"/>
+                  <a:cs typeface="Times New Roman" panose="02020603050405020304" pitchFamily="18" charset="0"/>
                 </a:rPr>
-                <a:t>spp_1_Intra_Island</a:t>
+                <a:t>Fisher </a:t>
               </a:r>
-            </a:p>
-          </p:txBody>
-        </p:sp>
-        <p:sp>
-          <p:nvSpPr>
-            <p:cNvPr id="81" name="tx81"/>
-            <p:cNvSpPr/>
-            <p:nvPr/>
-          </p:nvSpPr>
-          <p:spPr>
-            <a:xfrm rot="-2700000">
-              <a:off x="2685061" y="3602449"/>
-              <a:ext cx="932036" cy="116520"/>
+              <a:r>
+                <a:rPr dirty="0">
+                  <a:solidFill>
+                    <a:srgbClr val="000000">
+                      <a:alpha val="100000"/>
+                    </a:srgbClr>
+                  </a:solidFill>
+                  <a:latin typeface="Times New Roman" panose="02020603050405020304" pitchFamily="18" charset="0"/>
+                  <a:cs typeface="Times New Roman" panose="02020603050405020304" pitchFamily="18" charset="0"/>
+                </a:rPr>
+                <a:t>Mainland</a:t>
+              </a:r>
+            </a:p>
+          </p:txBody>
+        </p:sp>
+        <p:sp>
+          <p:nvSpPr>
+            <p:cNvPr id="83" name="tx83"/>
+            <p:cNvSpPr/>
+            <p:nvPr/>
+          </p:nvSpPr>
+          <p:spPr>
+            <a:xfrm rot="18900000">
+              <a:off x="4823793" y="5310249"/>
+              <a:ext cx="1528166" cy="164825"/>
             </a:xfrm>
             <a:prstGeom prst="rect">
               <a:avLst/>
@@ -10711,30 +9953,51 @@
                 </a:lnSpc>
               </a:pPr>
               <a:r>
-                <a:rPr sz="1415">
+                <a:rPr lang="en-US" dirty="0">
                   <a:solidFill>
                     <a:srgbClr val="000000">
                       <a:alpha val="100000"/>
                     </a:srgbClr>
                   </a:solidFill>
-                  <a:latin typeface="Arial"/>
-                  <a:cs typeface="Arial"/>
+                  <a:latin typeface="Times New Roman" panose="02020603050405020304" pitchFamily="18" charset="0"/>
+                  <a:cs typeface="Times New Roman" panose="02020603050405020304" pitchFamily="18" charset="0"/>
                 </a:rPr>
-                <a:t>spp_1_Mainland</a:t>
+                <a:t>Marten </a:t>
               </a:r>
-            </a:p>
-          </p:txBody>
-        </p:sp>
-        <p:sp>
-          <p:nvSpPr>
-            <p:cNvPr id="82" name="tx82"/>
-            <p:cNvSpPr/>
-            <p:nvPr/>
-          </p:nvSpPr>
-          <p:spPr>
-            <a:xfrm rot="-2700000">
-              <a:off x="3219199" y="3557570"/>
-              <a:ext cx="805098" cy="116520"/>
+              <a:r>
+                <a:rPr dirty="0" err="1">
+                  <a:solidFill>
+                    <a:srgbClr val="000000">
+                      <a:alpha val="100000"/>
+                    </a:srgbClr>
+                  </a:solidFill>
+                  <a:latin typeface="Times New Roman" panose="02020603050405020304" pitchFamily="18" charset="0"/>
+                  <a:cs typeface="Times New Roman" panose="02020603050405020304" pitchFamily="18" charset="0"/>
+                </a:rPr>
+                <a:t>InterIsland</a:t>
+              </a:r>
+              <a:endParaRPr dirty="0">
+                <a:solidFill>
+                  <a:srgbClr val="000000">
+                    <a:alpha val="100000"/>
+                  </a:srgbClr>
+                </a:solidFill>
+                <a:latin typeface="Times New Roman" panose="02020603050405020304" pitchFamily="18" charset="0"/>
+                <a:cs typeface="Times New Roman" panose="02020603050405020304" pitchFamily="18" charset="0"/>
+              </a:endParaRPr>
+            </a:p>
+          </p:txBody>
+        </p:sp>
+        <p:sp>
+          <p:nvSpPr>
+            <p:cNvPr id="84" name="tx84"/>
+            <p:cNvSpPr/>
+            <p:nvPr/>
+          </p:nvSpPr>
+          <p:spPr>
+            <a:xfrm rot="18900000">
+              <a:off x="5426100" y="5310249"/>
+              <a:ext cx="1528166" cy="164825"/>
             </a:xfrm>
             <a:prstGeom prst="rect">
               <a:avLst/>
@@ -10751,30 +10014,51 @@
                 </a:lnSpc>
               </a:pPr>
               <a:r>
-                <a:rPr sz="1415">
+                <a:rPr lang="en-US" dirty="0">
                   <a:solidFill>
                     <a:srgbClr val="000000">
                       <a:alpha val="100000"/>
                     </a:srgbClr>
                   </a:solidFill>
-                  <a:latin typeface="Arial"/>
-                  <a:cs typeface="Arial"/>
+                  <a:latin typeface="Times New Roman" panose="02020603050405020304" pitchFamily="18" charset="0"/>
+                  <a:cs typeface="Times New Roman" panose="02020603050405020304" pitchFamily="18" charset="0"/>
                 </a:rPr>
-                <a:t>spp_2_beta_1</a:t>
+                <a:t>Marten </a:t>
               </a:r>
-            </a:p>
-          </p:txBody>
-        </p:sp>
-        <p:sp>
-          <p:nvSpPr>
-            <p:cNvPr id="83" name="tx83"/>
-            <p:cNvSpPr/>
-            <p:nvPr/>
-          </p:nvSpPr>
-          <p:spPr>
-            <a:xfrm rot="-2700000">
-              <a:off x="3410083" y="3654871"/>
-              <a:ext cx="1080306" cy="116520"/>
+              <a:r>
+                <a:rPr dirty="0" err="1">
+                  <a:solidFill>
+                    <a:srgbClr val="000000">
+                      <a:alpha val="100000"/>
+                    </a:srgbClr>
+                  </a:solidFill>
+                  <a:latin typeface="Times New Roman" panose="02020603050405020304" pitchFamily="18" charset="0"/>
+                  <a:cs typeface="Times New Roman" panose="02020603050405020304" pitchFamily="18" charset="0"/>
+                </a:rPr>
+                <a:t>IntraIsland</a:t>
+              </a:r>
+              <a:endParaRPr dirty="0">
+                <a:solidFill>
+                  <a:srgbClr val="000000">
+                    <a:alpha val="100000"/>
+                  </a:srgbClr>
+                </a:solidFill>
+                <a:latin typeface="Times New Roman" panose="02020603050405020304" pitchFamily="18" charset="0"/>
+                <a:cs typeface="Times New Roman" panose="02020603050405020304" pitchFamily="18" charset="0"/>
+              </a:endParaRPr>
+            </a:p>
+          </p:txBody>
+        </p:sp>
+        <p:sp>
+          <p:nvSpPr>
+            <p:cNvPr id="85" name="tx85"/>
+            <p:cNvSpPr/>
+            <p:nvPr/>
+          </p:nvSpPr>
+          <p:spPr>
+            <a:xfrm rot="18900000">
+              <a:off x="6207429" y="5236094"/>
+              <a:ext cx="1318428" cy="164825"/>
             </a:xfrm>
             <a:prstGeom prst="rect">
               <a:avLst/>
@@ -10791,110 +10075,42 @@
                 </a:lnSpc>
               </a:pPr>
               <a:r>
-                <a:rPr sz="1415">
+                <a:rPr lang="en-US" dirty="0">
                   <a:solidFill>
                     <a:srgbClr val="000000">
                       <a:alpha val="100000"/>
                     </a:srgbClr>
                   </a:solidFill>
-                  <a:latin typeface="Arial"/>
-                  <a:cs typeface="Arial"/>
+                  <a:latin typeface="Times New Roman" panose="02020603050405020304" pitchFamily="18" charset="0"/>
+                  <a:cs typeface="Times New Roman" panose="02020603050405020304" pitchFamily="18" charset="0"/>
                 </a:rPr>
-                <a:t>spp_2_Inter_Island</a:t>
+                <a:t>Marten </a:t>
               </a:r>
-            </a:p>
-          </p:txBody>
-        </p:sp>
-        <p:sp>
-          <p:nvSpPr>
-            <p:cNvPr id="84" name="tx84"/>
-            <p:cNvSpPr/>
-            <p:nvPr/>
-          </p:nvSpPr>
-          <p:spPr>
-            <a:xfrm rot="-2700000">
-              <a:off x="3835872" y="3654871"/>
-              <a:ext cx="1080306" cy="116520"/>
-            </a:xfrm>
-            <a:prstGeom prst="rect">
-              <a:avLst/>
-            </a:prstGeom>
-            <a:noFill/>
-          </p:spPr>
-          <p:txBody>
-            <a:bodyPr wrap="none" lIns="0" tIns="0" rIns="0" bIns="0" anchor="ctr" anchorCtr="1"/>
-            <a:lstStyle/>
-            <a:p>
-              <a:pPr>
-                <a:lnSpc>
-                  <a:spcPts val="1415"/>
-                </a:lnSpc>
-              </a:pPr>
               <a:r>
-                <a:rPr sz="1415">
+                <a:rPr dirty="0">
                   <a:solidFill>
                     <a:srgbClr val="000000">
                       <a:alpha val="100000"/>
                     </a:srgbClr>
                   </a:solidFill>
-                  <a:latin typeface="Arial"/>
-                  <a:cs typeface="Arial"/>
+                  <a:latin typeface="Times New Roman" panose="02020603050405020304" pitchFamily="18" charset="0"/>
+                  <a:cs typeface="Times New Roman" panose="02020603050405020304" pitchFamily="18" charset="0"/>
                 </a:rPr>
-                <a:t>spp_2_Intra_Island</a:t>
+                <a:t>Mainland</a:t>
               </a:r>
             </a:p>
           </p:txBody>
         </p:sp>
         <p:sp>
           <p:nvSpPr>
-            <p:cNvPr id="85" name="tx85"/>
-            <p:cNvSpPr/>
-            <p:nvPr/>
-          </p:nvSpPr>
-          <p:spPr>
-            <a:xfrm rot="-2700000">
-              <a:off x="4388217" y="3602449"/>
-              <a:ext cx="932036" cy="116520"/>
-            </a:xfrm>
-            <a:prstGeom prst="rect">
-              <a:avLst/>
-            </a:prstGeom>
-            <a:noFill/>
-          </p:spPr>
-          <p:txBody>
-            <a:bodyPr wrap="none" lIns="0" tIns="0" rIns="0" bIns="0" anchor="ctr" anchorCtr="1"/>
-            <a:lstStyle/>
-            <a:p>
-              <a:pPr>
-                <a:lnSpc>
-                  <a:spcPts val="1415"/>
-                </a:lnSpc>
-              </a:pPr>
-              <a:r>
-                <a:rPr sz="1415">
-                  <a:solidFill>
-                    <a:srgbClr val="000000">
-                      <a:alpha val="100000"/>
-                    </a:srgbClr>
-                  </a:solidFill>
-                  <a:latin typeface="Arial"/>
-                  <a:cs typeface="Arial"/>
-                </a:rPr>
-                <a:t>spp_2_Mainland</a:t>
-              </a:r>
-            </a:p>
-          </p:txBody>
-        </p:sp>
-        <p:sp>
-          <p:nvSpPr>
-            <p:cNvPr id="86" name="tx86"/>
-            <p:cNvSpPr/>
-            <p:nvPr/>
-          </p:nvSpPr>
-          <p:spPr>
-            <a:xfrm>
-              <a:off x="3139168" y="4165761"/>
-              <a:ext cx="636699" cy="125511"/>
+            <p:cNvPr id="87" name="tx87"/>
+            <p:cNvSpPr/>
+            <p:nvPr/>
+          </p:nvSpPr>
+          <p:spPr>
+            <a:xfrm rot="16200000">
+              <a:off x="1298556" y="3037291"/>
+              <a:ext cx="472423" cy="143772"/>
             </a:xfrm>
             <a:prstGeom prst="rect">
               <a:avLst/>
@@ -10911,285 +10127,26 @@
                 </a:lnSpc>
               </a:pPr>
               <a:r>
-                <a:rPr sz="1556">
+                <a:rPr lang="en-US" sz="2400" dirty="0">
                   <a:solidFill>
                     <a:srgbClr val="000000">
                       <a:alpha val="100000"/>
                     </a:srgbClr>
                   </a:solidFill>
-                  <a:latin typeface="Arial"/>
-                  <a:cs typeface="Arial"/>
+                  <a:latin typeface="Times New Roman" panose="02020603050405020304" pitchFamily="18" charset="0"/>
+                  <a:cs typeface="Times New Roman" panose="02020603050405020304" pitchFamily="18" charset="0"/>
                 </a:rPr>
-                <a:t>parameter</a:t>
+                <a:t>Negative Hamiltonian</a:t>
               </a:r>
-            </a:p>
-          </p:txBody>
-        </p:sp>
-        <p:sp>
-          <p:nvSpPr>
-            <p:cNvPr id="87" name="tx87"/>
-            <p:cNvSpPr/>
-            <p:nvPr/>
-          </p:nvSpPr>
-          <p:spPr>
-            <a:xfrm rot="-5400000">
-              <a:off x="1013822" y="2077404"/>
-              <a:ext cx="333970" cy="101637"/>
-            </a:xfrm>
-            <a:prstGeom prst="rect">
-              <a:avLst/>
-            </a:prstGeom>
-            <a:noFill/>
-          </p:spPr>
-          <p:txBody>
-            <a:bodyPr wrap="none" lIns="0" tIns="0" rIns="0" bIns="0" anchor="ctr" anchorCtr="1"/>
-            <a:lstStyle/>
-            <a:p>
-              <a:pPr>
-                <a:lnSpc>
-                  <a:spcPts val="1556"/>
-                </a:lnSpc>
-              </a:pPr>
-              <a:r>
-                <a:rPr sz="1556">
-                  <a:solidFill>
-                    <a:srgbClr val="000000">
-                      <a:alpha val="100000"/>
-                    </a:srgbClr>
-                  </a:solidFill>
-                  <a:latin typeface="Arial"/>
-                  <a:cs typeface="Arial"/>
-                </a:rPr>
-                <a:t>value</a:t>
-              </a:r>
-            </a:p>
-          </p:txBody>
-        </p:sp>
-        <p:sp>
-          <p:nvSpPr>
-            <p:cNvPr id="88" name="rc88"/>
-            <p:cNvSpPr/>
-            <p:nvPr/>
-          </p:nvSpPr>
-          <p:spPr>
-            <a:xfrm>
-              <a:off x="5555325" y="1842673"/>
-              <a:ext cx="875898" cy="571098"/>
-            </a:xfrm>
-            <a:prstGeom prst="rect">
-              <a:avLst/>
-            </a:prstGeom>
-            <a:solidFill>
-              <a:srgbClr val="FFFFFF">
-                <a:alpha val="100000"/>
-              </a:srgbClr>
-            </a:solidFill>
-          </p:spPr>
-          <p:txBody>
-            <a:bodyPr/>
-            <a:lstStyle/>
-            <a:p>
-              <a:endParaRPr sz="2829"/>
-            </a:p>
-          </p:txBody>
-        </p:sp>
-        <p:sp>
-          <p:nvSpPr>
-            <p:cNvPr id="89" name="tx89"/>
-            <p:cNvSpPr/>
-            <p:nvPr/>
-          </p:nvSpPr>
-          <p:spPr>
-            <a:xfrm>
-              <a:off x="5624914" y="1905937"/>
-              <a:ext cx="302933" cy="127762"/>
-            </a:xfrm>
-            <a:prstGeom prst="rect">
-              <a:avLst/>
-            </a:prstGeom>
-            <a:noFill/>
-          </p:spPr>
-          <p:txBody>
-            <a:bodyPr wrap="none" lIns="0" tIns="0" rIns="0" bIns="0" anchor="ctr" anchorCtr="1"/>
-            <a:lstStyle/>
-            <a:p>
-              <a:pPr>
-                <a:lnSpc>
-                  <a:spcPts val="1556"/>
-                </a:lnSpc>
-              </a:pPr>
-              <a:r>
-                <a:rPr sz="1556">
-                  <a:solidFill>
-                    <a:srgbClr val="000000">
-                      <a:alpha val="100000"/>
-                    </a:srgbClr>
-                  </a:solidFill>
-                  <a:latin typeface="Arial"/>
-                  <a:cs typeface="Arial"/>
-                </a:rPr>
-                <a:t>point</a:t>
-              </a:r>
-            </a:p>
-          </p:txBody>
-        </p:sp>
-        <p:sp>
-          <p:nvSpPr>
-            <p:cNvPr id="90" name="rc90"/>
-            <p:cNvSpPr/>
-            <p:nvPr/>
-          </p:nvSpPr>
-          <p:spPr>
-            <a:xfrm>
-              <a:off x="5624914" y="2124726"/>
-              <a:ext cx="219455" cy="219456"/>
-            </a:xfrm>
-            <a:prstGeom prst="rect">
-              <a:avLst/>
-            </a:prstGeom>
-            <a:solidFill>
-              <a:srgbClr val="F2F2F2">
-                <a:alpha val="100000"/>
-              </a:srgbClr>
-            </a:solidFill>
-            <a:ln w="13550" cap="rnd">
-              <a:solidFill>
-                <a:srgbClr val="FFFFFF">
-                  <a:alpha val="100000"/>
-                </a:srgbClr>
-              </a:solidFill>
-              <a:prstDash val="solid"/>
-              <a:round/>
-            </a:ln>
-          </p:spPr>
-          <p:txBody>
-            <a:bodyPr/>
-            <a:lstStyle/>
-            <a:p>
-              <a:endParaRPr sz="2829"/>
-            </a:p>
-          </p:txBody>
-        </p:sp>
-        <p:sp>
-          <p:nvSpPr>
-            <p:cNvPr id="91" name="pl91"/>
-            <p:cNvSpPr/>
-            <p:nvPr/>
-          </p:nvSpPr>
-          <p:spPr>
-            <a:xfrm>
-              <a:off x="5646859" y="2234454"/>
-              <a:ext cx="175564" cy="0"/>
-            </a:xfrm>
-            <a:custGeom>
-              <a:avLst/>
-              <a:gdLst/>
-              <a:ahLst/>
-              <a:cxnLst/>
-              <a:rect l="0" t="0" r="0" b="0"/>
-              <a:pathLst>
-                <a:path w="175564">
-                  <a:moveTo>
-                    <a:pt x="0" y="0"/>
-                  </a:moveTo>
-                  <a:lnTo>
-                    <a:pt x="175564" y="0"/>
-                  </a:lnTo>
-                </a:path>
-              </a:pathLst>
-            </a:custGeom>
-            <a:ln w="13550" cap="flat">
-              <a:solidFill>
-                <a:srgbClr val="F8766D">
-                  <a:alpha val="100000"/>
-                </a:srgbClr>
-              </a:solidFill>
-              <a:prstDash val="solid"/>
-              <a:round/>
-            </a:ln>
-          </p:spPr>
-          <p:txBody>
-            <a:bodyPr/>
-            <a:lstStyle/>
-            <a:p>
-              <a:endParaRPr sz="2829"/>
-            </a:p>
-          </p:txBody>
-        </p:sp>
-        <p:sp>
-          <p:nvSpPr>
-            <p:cNvPr id="92" name="pt92"/>
-            <p:cNvSpPr/>
-            <p:nvPr/>
-          </p:nvSpPr>
-          <p:spPr>
-            <a:xfrm>
-              <a:off x="5709816" y="2209628"/>
-              <a:ext cx="49651" cy="49651"/>
-            </a:xfrm>
-            <a:prstGeom prst="ellipse">
-              <a:avLst/>
-            </a:prstGeom>
-            <a:solidFill>
-              <a:srgbClr val="F8766D">
-                <a:alpha val="100000"/>
-              </a:srgbClr>
-            </a:solidFill>
-            <a:ln w="9000" cap="rnd">
-              <a:solidFill>
-                <a:srgbClr val="F8766D">
-                  <a:alpha val="100000"/>
-                </a:srgbClr>
-              </a:solidFill>
-              <a:prstDash val="solid"/>
-              <a:round/>
-            </a:ln>
-          </p:spPr>
-          <p:txBody>
-            <a:bodyPr/>
-            <a:lstStyle/>
-            <a:p>
-              <a:endParaRPr sz="2829"/>
-            </a:p>
-          </p:txBody>
-        </p:sp>
-        <p:sp>
-          <p:nvSpPr>
-            <p:cNvPr id="93" name="tx93"/>
-            <p:cNvSpPr/>
-            <p:nvPr/>
-          </p:nvSpPr>
-          <p:spPr>
-            <a:xfrm>
-              <a:off x="5913959" y="2191780"/>
-              <a:ext cx="422374" cy="82674"/>
-            </a:xfrm>
-            <a:prstGeom prst="rect">
-              <a:avLst/>
-            </a:prstGeom>
-            <a:noFill/>
-          </p:spPr>
-          <p:txBody>
-            <a:bodyPr wrap="none" lIns="0" tIns="0" rIns="0" bIns="0" anchor="ctr" anchorCtr="1"/>
-            <a:lstStyle/>
-            <a:p>
-              <a:pPr>
-                <a:lnSpc>
-                  <a:spcPts val="1245"/>
-                </a:lnSpc>
-              </a:pPr>
-              <a:r>
-                <a:rPr sz="1245">
-                  <a:solidFill>
-                    <a:srgbClr val="000000">
-                      <a:alpha val="100000"/>
-                    </a:srgbClr>
-                  </a:solidFill>
-                  <a:latin typeface="Arial"/>
-                  <a:cs typeface="Arial"/>
-                </a:rPr>
-                <a:t>model fit</a:t>
-              </a:r>
+              <a:endParaRPr sz="2400" dirty="0">
+                <a:solidFill>
+                  <a:srgbClr val="000000">
+                    <a:alpha val="100000"/>
+                  </a:srgbClr>
+                </a:solidFill>
+                <a:latin typeface="Times New Roman" panose="02020603050405020304" pitchFamily="18" charset="0"/>
+                <a:cs typeface="Times New Roman" panose="02020603050405020304" pitchFamily="18" charset="0"/>
+              </a:endParaRPr>
             </a:p>
           </p:txBody>
         </p:sp>
